--- a/doc/assets/ppt/系统设计.pptx
+++ b/doc/assets/ppt/系统设计.pptx
@@ -8,9 +8,9 @@
     <p:notesMasterId r:id="rId5"/>
   </p:notesMasterIdLst>
   <p:sldIdLst>
-    <p:sldId id="314" r:id="rId2"/>
-    <p:sldId id="287" r:id="rId3"/>
-    <p:sldId id="288" r:id="rId4"/>
+    <p:sldId id="287" r:id="rId2"/>
+    <p:sldId id="288" r:id="rId3"/>
+    <p:sldId id="289" r:id="rId4"/>
   </p:sldIdLst>
   <p:sldSz cx="5040313" cy="3600450"/>
   <p:notesSz cx="6858000" cy="9144000"/>
@@ -114,9 +114,9 @@
       <p14:sectionLst xmlns:p14="http://schemas.microsoft.com/office/powerpoint/2010/main">
         <p14:section name="参考标准" id="{B31B90C0-5D5C-CC44-91AE-5FEC509FADEB}">
           <p14:sldIdLst>
-            <p14:sldId id="314"/>
             <p14:sldId id="287"/>
             <p14:sldId id="288"/>
+            <p14:sldId id="289"/>
           </p14:sldIdLst>
         </p14:section>
       </p14:sectionLst>
@@ -138,60 +138,6 @@
     </p:extLst>
   </p:cmAuthor>
 </p:cmAuthorLst>
-</file>
-
-<file path=ppt/ink/ink1.xml><?xml version="1.0" encoding="utf-8"?>
-<inkml:ink xmlns:inkml="http://www.w3.org/2003/InkML">
-  <inkml:definitions>
-    <inkml:context xml:id="ctx0">
-      <inkml:inkSource xml:id="inkSrc0">
-        <inkml:traceFormat>
-          <inkml:channel name="X" type="integer" min="-2.14748E9" max="2.14748E9" units="cm"/>
-          <inkml:channel name="Y" type="integer" min="-2.14748E9" max="2.14748E9" units="cm"/>
-          <inkml:channel name="F" type="integer" max="32767" units="dev"/>
-        </inkml:traceFormat>
-        <inkml:channelProperties>
-          <inkml:channelProperty channel="X" name="resolution" value="1000" units="1/cm"/>
-          <inkml:channelProperty channel="Y" name="resolution" value="1000" units="1/cm"/>
-          <inkml:channelProperty channel="F" name="resolution" value="0" units="1/dev"/>
-        </inkml:channelProperties>
-      </inkml:inkSource>
-      <inkml:timestamp xml:id="ts0" timeString="2021-08-01T06:10:46.894"/>
-    </inkml:context>
-    <inkml:brush xml:id="br0">
-      <inkml:brushProperty name="width" value="0.05" units="cm"/>
-      <inkml:brushProperty name="height" value="0.05" units="cm"/>
-    </inkml:brush>
-  </inkml:definitions>
-  <inkml:trace contextRef="#ctx0" brushRef="#br0">0 2 24575,'43'0'0,"1"0"0,48 0 0,2 0-1652,-26 0 0,4 0 1652,0-1 0,3 2-980,17 5 1,2 4 979,-1 2 0,-4 1 0,-15-2 0,-1 3 40,9 9 0,-5 0-40,-25-10 0,-1 1-225,15 9 1,-2 4 224,-17-5 0,-3 0 0,23 16 1366,-16 13-1366,-31-14 2340,3 11-2340,-20 21 0,-3-6 0,-7 18 0,-6-2 751,-13-2-751,8-28 0,-1 0 0,-18 35 518,6-13-518,1-10 0,11-22 0,-7 9 0,10-21 0,2-2 589,7-18-589,2-2 68,1-3-68,0-2 0,-1 0 0,1 0 0,0 0 0,-3 0 0,-7 0 0,-4 0 0,-5 0 0,-1 0 0,0 0 0,0-3 0,7 0 0,0 0 0,12-1 0,0 3 0,5-1 0</inkml:trace>
-</inkml:ink>
-</file>
-
-<file path=ppt/ink/ink2.xml><?xml version="1.0" encoding="utf-8"?>
-<inkml:ink xmlns:inkml="http://www.w3.org/2003/InkML">
-  <inkml:definitions>
-    <inkml:context xml:id="ctx0">
-      <inkml:inkSource xml:id="inkSrc0">
-        <inkml:traceFormat>
-          <inkml:channel name="X" type="integer" min="-2.14748E9" max="2.14748E9" units="cm"/>
-          <inkml:channel name="Y" type="integer" min="-2.14748E9" max="2.14748E9" units="cm"/>
-          <inkml:channel name="F" type="integer" max="32767" units="dev"/>
-        </inkml:traceFormat>
-        <inkml:channelProperties>
-          <inkml:channelProperty channel="X" name="resolution" value="1000" units="1/cm"/>
-          <inkml:channelProperty channel="Y" name="resolution" value="1000" units="1/cm"/>
-          <inkml:channelProperty channel="F" name="resolution" value="0" units="1/dev"/>
-        </inkml:channelProperties>
-      </inkml:inkSource>
-      <inkml:timestamp xml:id="ts0" timeString="2021-08-01T06:10:48.431"/>
-    </inkml:context>
-    <inkml:brush xml:id="br0">
-      <inkml:brushProperty name="width" value="0.05" units="cm"/>
-      <inkml:brushProperty name="height" value="0.05" units="cm"/>
-    </inkml:brush>
-  </inkml:definitions>
-  <inkml:trace contextRef="#ctx0" brushRef="#br0">0 2821 24575,'64'0'0,"14"0"0,-14 0 0,6 0-2171,10 0 0,4 0 2171,10-1 0,3 2-716,-26 0 0,2 0 0,1 2 716,-1 2 0,0 2 0,1 0 0,-1 0 0,1 2 0,-1 1 0,1 3 0,0 3 0,-4-2 23,5 0 1,-1 1-24,18 5 0,-8-1-413,-14-2 413,-6-2 0,-2-1 0,1 3 1724,14 7-1724,-19-8 2783,-20-2-2783,-7-5 1746,-13-3-1746,-4-1 603,-8-2-603,-1-1 0,2-2 0,3 0 0,11 0 0,8-10 0,27-21 0,7-9 0,-20 2 0,1-5-861,1 1 1,-1-4 860,5-15 0,1-10-1301,-4 4 0,2-7 0,-3-2 1301,-4-4 0,-2-2 0,1-4-1039,-2 8 1,1-4 0,0-2-1,-4-1 1039,-5 0 0,-2-2 0,-3 1 0,-1 2 0,5-11 0,-2 3 0,-2-4-501,-5 10 1,0-5 0,-2 3 0,-3 7 500,2-17 0,-2 5-105,-2 21 0,0-2 0,-1 4 105,-1-5 0,-1 4 826,0 9 1,0 1-827,-2-3 0,0 4 3897,5-26-3897,-6 38 3205,-1 22-3205,-1 12 2275,-2 11-2275,-1 4 1064,-6 5-1064,-2 0 0,-2 1 0,-1 0 0,4-2 0,-2 2 0,4-3 0,-1 1 0,4-1 0,-2 1 0,0-3 0,1 2 0,0-4 0,1 2 0</inkml:trace>
-</inkml:ink>
 </file>
 
 <file path=ppt/notesMasters/notesMaster1.xml><?xml version="1.0" encoding="utf-8"?>
@@ -276,7 +222,7 @@
           <a:p>
             <a:fld id="{E47FC481-15AF-45CA-8376-B9BCE636A15E}" type="datetimeFigureOut">
               <a:rPr lang="zh-CN" altLang="en-US" smtClean="0"/>
-              <a:t>2021/8/1</a:t>
+              <a:t>2021/8/22</a:t>
             </a:fld>
             <a:endParaRPr lang="zh-CN" altLang="en-US"/>
           </a:p>
@@ -686,7 +632,7 @@
           <a:p>
             <a:fld id="{DCD554A7-7CC4-40A9-A60E-4E72AAE3CDC5}" type="datetimeFigureOut">
               <a:rPr lang="zh-CN" altLang="en-US" smtClean="0"/>
-              <a:t>2021/8/1</a:t>
+              <a:t>2021/8/22</a:t>
             </a:fld>
             <a:endParaRPr lang="zh-CN" altLang="en-US"/>
           </a:p>
@@ -894,7 +840,7 @@
           <a:p>
             <a:fld id="{DCD554A7-7CC4-40A9-A60E-4E72AAE3CDC5}" type="datetimeFigureOut">
               <a:rPr lang="zh-CN" altLang="en-US" smtClean="0"/>
-              <a:t>2021/8/1</a:t>
+              <a:t>2021/8/22</a:t>
             </a:fld>
             <a:endParaRPr lang="zh-CN" altLang="en-US"/>
           </a:p>
@@ -1102,7 +1048,7 @@
           <a:p>
             <a:fld id="{DCD554A7-7CC4-40A9-A60E-4E72AAE3CDC5}" type="datetimeFigureOut">
               <a:rPr lang="zh-CN" altLang="en-US" smtClean="0"/>
-              <a:t>2021/8/1</a:t>
+              <a:t>2021/8/22</a:t>
             </a:fld>
             <a:endParaRPr lang="zh-CN" altLang="en-US"/>
           </a:p>
@@ -1310,7 +1256,7 @@
           <a:p>
             <a:fld id="{DCD554A7-7CC4-40A9-A60E-4E72AAE3CDC5}" type="datetimeFigureOut">
               <a:rPr lang="zh-CN" altLang="en-US" smtClean="0"/>
-              <a:t>2021/8/1</a:t>
+              <a:t>2021/8/22</a:t>
             </a:fld>
             <a:endParaRPr lang="zh-CN" altLang="en-US"/>
           </a:p>
@@ -1585,7 +1531,7 @@
           <a:p>
             <a:fld id="{DCD554A7-7CC4-40A9-A60E-4E72AAE3CDC5}" type="datetimeFigureOut">
               <a:rPr lang="zh-CN" altLang="en-US" smtClean="0"/>
-              <a:t>2021/8/1</a:t>
+              <a:t>2021/8/22</a:t>
             </a:fld>
             <a:endParaRPr lang="zh-CN" altLang="en-US"/>
           </a:p>
@@ -1852,7 +1798,7 @@
           <a:p>
             <a:fld id="{DCD554A7-7CC4-40A9-A60E-4E72AAE3CDC5}" type="datetimeFigureOut">
               <a:rPr lang="zh-CN" altLang="en-US" smtClean="0"/>
-              <a:t>2021/8/1</a:t>
+              <a:t>2021/8/22</a:t>
             </a:fld>
             <a:endParaRPr lang="zh-CN" altLang="en-US"/>
           </a:p>
@@ -2255,7 +2201,7 @@
           <a:p>
             <a:fld id="{DCD554A7-7CC4-40A9-A60E-4E72AAE3CDC5}" type="datetimeFigureOut">
               <a:rPr lang="zh-CN" altLang="en-US" smtClean="0"/>
-              <a:t>2021/8/1</a:t>
+              <a:t>2021/8/22</a:t>
             </a:fld>
             <a:endParaRPr lang="zh-CN" altLang="en-US"/>
           </a:p>
@@ -2404,7 +2350,7 @@
           <a:p>
             <a:fld id="{DCD554A7-7CC4-40A9-A60E-4E72AAE3CDC5}" type="datetimeFigureOut">
               <a:rPr lang="zh-CN" altLang="en-US" smtClean="0"/>
-              <a:t>2021/8/1</a:t>
+              <a:t>2021/8/22</a:t>
             </a:fld>
             <a:endParaRPr lang="zh-CN" altLang="en-US"/>
           </a:p>
@@ -2523,7 +2469,7 @@
           <a:p>
             <a:fld id="{DCD554A7-7CC4-40A9-A60E-4E72AAE3CDC5}" type="datetimeFigureOut">
               <a:rPr lang="zh-CN" altLang="en-US" smtClean="0"/>
-              <a:t>2021/8/1</a:t>
+              <a:t>2021/8/22</a:t>
             </a:fld>
             <a:endParaRPr lang="zh-CN" altLang="en-US"/>
           </a:p>
@@ -2831,7 +2777,7 @@
           <a:p>
             <a:fld id="{DCD554A7-7CC4-40A9-A60E-4E72AAE3CDC5}" type="datetimeFigureOut">
               <a:rPr lang="zh-CN" altLang="en-US" smtClean="0"/>
-              <a:t>2021/8/1</a:t>
+              <a:t>2021/8/22</a:t>
             </a:fld>
             <a:endParaRPr lang="zh-CN" altLang="en-US"/>
           </a:p>
@@ -3116,7 +3062,7 @@
           <a:p>
             <a:fld id="{DCD554A7-7CC4-40A9-A60E-4E72AAE3CDC5}" type="datetimeFigureOut">
               <a:rPr lang="zh-CN" altLang="en-US" smtClean="0"/>
-              <a:t>2021/8/1</a:t>
+              <a:t>2021/8/22</a:t>
             </a:fld>
             <a:endParaRPr lang="zh-CN" altLang="en-US"/>
           </a:p>
@@ -7424,46 +7370,185 @@
       </p:grpSpPr>
       <p:sp>
         <p:nvSpPr>
-          <p:cNvPr id="2" name="文本框 1">
-            <a:extLst>
-              <a:ext uri="{FF2B5EF4-FFF2-40B4-BE49-F238E27FC236}">
-                <a16:creationId xmlns:a16="http://schemas.microsoft.com/office/drawing/2014/main" id="{CD1F9D14-F62E-5B42-A50D-342D6B98A3F2}"/>
-              </a:ext>
-            </a:extLst>
-          </p:cNvPr>
-          <p:cNvSpPr txBox="1"/>
+          <p:cNvPr id="4" name="矩形 3"/>
+          <p:cNvSpPr/>
           <p:nvPr/>
         </p:nvSpPr>
         <p:spPr>
           <a:xfrm>
-            <a:off x="-34390" y="814192"/>
-            <a:ext cx="5109091" cy="1569660"/>
-          </a:xfrm>
-          <a:prstGeom prst="rect">
-            <a:avLst/>
-          </a:prstGeom>
-          <a:noFill/>
-        </p:spPr>
-        <p:txBody>
-          <a:bodyPr wrap="none" rtlCol="0">
+            <a:off x="484188" y="603874"/>
+            <a:ext cx="3463926" cy="2574423"/>
+          </a:xfrm>
+          <a:prstGeom prst="rect">
+            <a:avLst/>
+          </a:prstGeom>
+        </p:spPr>
+        <p:txBody>
+          <a:bodyPr wrap="square">
             <a:spAutoFit/>
           </a:bodyPr>
           <a:lstStyle/>
           <a:p>
-            <a:r>
-              <a:rPr kumimoji="1" lang="zh-CN" altLang="en-US" sz="9600" dirty="0">
-                <a:latin typeface="SimHei" panose="02010609060101010101" pitchFamily="49" charset="-122"/>
-                <a:ea typeface="SimHei" panose="02010609060101010101" pitchFamily="49" charset="-122"/>
-              </a:rPr>
-              <a:t>技术插图</a:t>
-            </a:r>
-          </a:p>
-        </p:txBody>
-      </p:sp>
+            <a:pPr algn="ctr"/>
+            <a:r>
+              <a:rPr lang="zh-CN" altLang="en-US" sz="1400" dirty="0"/>
+              <a:t>画图说明</a:t>
+            </a:r>
+            <a:endParaRPr lang="en-US" altLang="zh-CN" sz="1400" dirty="0"/>
+          </a:p>
+          <a:p>
+            <a:pPr algn="ctr"/>
+            <a:endParaRPr lang="en-US" altLang="zh-CN" sz="1400" dirty="0"/>
+          </a:p>
+          <a:p>
+            <a:pPr marL="171442" indent="-171442">
+              <a:buFont typeface="Arial" panose="020B0604020202020204" pitchFamily="34" charset="0"/>
+              <a:buChar char="•"/>
+            </a:pPr>
+            <a:r>
+              <a:rPr lang="en-US" altLang="zh-CN" dirty="0"/>
+              <a:t>PPT</a:t>
+            </a:r>
+            <a:r>
+              <a:rPr lang="zh-CN" altLang="en-US" dirty="0"/>
+              <a:t>文档的尺寸已改为</a:t>
+            </a:r>
+            <a:r>
+              <a:rPr lang="en-US" altLang="zh-CN" dirty="0"/>
+              <a:t>14mm×10mm</a:t>
+            </a:r>
+            <a:r>
+              <a:rPr lang="zh-CN" altLang="en-US" dirty="0"/>
+              <a:t>，插图在这个范围内绘制，大小就是标准的，排版时不用再进行缩放。可以保证图上线条的粗细和文字大小是一致的。</a:t>
+            </a:r>
+            <a:endParaRPr lang="en-US" altLang="zh-CN" dirty="0"/>
+          </a:p>
+          <a:p>
+            <a:pPr marL="171442" indent="-171442">
+              <a:buFont typeface="Arial" panose="020B0604020202020204" pitchFamily="34" charset="0"/>
+              <a:buChar char="•"/>
+            </a:pPr>
+            <a:r>
+              <a:rPr lang="zh-CN" altLang="en-US" dirty="0"/>
+              <a:t>线条的线型请使用 1 磅，过粗和过细的印刷效果都不好。</a:t>
+            </a:r>
+            <a:endParaRPr lang="en-US" altLang="zh-CN" dirty="0"/>
+          </a:p>
+          <a:p>
+            <a:pPr marL="171442" indent="-171442">
+              <a:buFont typeface="Arial" panose="020B0604020202020204" pitchFamily="34" charset="0"/>
+              <a:buChar char="•"/>
+            </a:pPr>
+            <a:r>
+              <a:rPr lang="zh-CN" altLang="en-US" dirty="0"/>
+              <a:t>箭头请设置为右图中格式。</a:t>
+            </a:r>
+            <a:endParaRPr lang="en-US" altLang="zh-CN" dirty="0"/>
+          </a:p>
+          <a:p>
+            <a:pPr marL="171442" indent="-171442">
+              <a:buFont typeface="Arial" panose="020B0604020202020204" pitchFamily="34" charset="0"/>
+              <a:buChar char="•"/>
+            </a:pPr>
+            <a:r>
+              <a:rPr lang="zh-CN" altLang="en-US" dirty="0"/>
+              <a:t>所有字体，设置为中文黑体，英文为</a:t>
+            </a:r>
+            <a:r>
+              <a:rPr lang="en-US" altLang="zh-CN" dirty="0"/>
+              <a:t>Times New Roman</a:t>
+            </a:r>
+            <a:r>
+              <a:rPr lang="zh-CN" altLang="en-US" dirty="0"/>
+              <a:t>，全部</a:t>
+            </a:r>
+            <a:r>
+              <a:rPr lang="en-US" altLang="zh-CN" dirty="0"/>
+              <a:t>9</a:t>
+            </a:r>
+            <a:r>
+              <a:rPr lang="zh-CN" altLang="en-US" dirty="0"/>
+              <a:t>号字。</a:t>
+            </a:r>
+            <a:endParaRPr lang="en-US" altLang="zh-CN" dirty="0"/>
+          </a:p>
+          <a:p>
+            <a:pPr marL="171442" indent="-171442">
+              <a:buFont typeface="Arial" panose="020B0604020202020204" pitchFamily="34" charset="0"/>
+              <a:buChar char="•"/>
+            </a:pPr>
+            <a:r>
+              <a:rPr lang="zh-CN" altLang="en-US" dirty="0"/>
+              <a:t>注意字体的加粗是有规范的，只有张量需要用加粗，例如矩阵和向量。其他字体请不要加粗</a:t>
+            </a:r>
+            <a:endParaRPr lang="en-US" altLang="zh-CN" dirty="0"/>
+          </a:p>
+          <a:p>
+            <a:pPr marL="171442" indent="-171442">
+              <a:buFont typeface="Arial" panose="020B0604020202020204" pitchFamily="34" charset="0"/>
+              <a:buChar char="•"/>
+            </a:pPr>
+            <a:r>
+              <a:rPr lang="zh-CN" altLang="en-US" dirty="0"/>
+              <a:t>凡是需要填充颜色的区域，请设置为无轮廓，也就是去掉四周的轮廓线。</a:t>
+            </a:r>
+            <a:endParaRPr lang="en-US" altLang="zh-CN" dirty="0"/>
+          </a:p>
+          <a:p>
+            <a:pPr marL="171442" indent="-171442">
+              <a:buFont typeface="Arial" panose="020B0604020202020204" pitchFamily="34" charset="0"/>
+              <a:buChar char="•"/>
+            </a:pPr>
+            <a:r>
+              <a:rPr lang="zh-CN" altLang="en-US" dirty="0"/>
+              <a:t>变量的字母为斜体，对应的数字为下角。</a:t>
+            </a:r>
+            <a:endParaRPr lang="en-US" altLang="zh-CN" dirty="0"/>
+          </a:p>
+          <a:p>
+            <a:pPr marL="171442" indent="-171442">
+              <a:buFont typeface="Arial" panose="020B0604020202020204" pitchFamily="34" charset="0"/>
+              <a:buChar char="•"/>
+            </a:pPr>
+            <a:r>
+              <a:rPr lang="zh-CN" altLang="en-US" dirty="0"/>
+              <a:t>注意背景图不能有参考线，需要是纯色的白底。</a:t>
+            </a:r>
+            <a:endParaRPr lang="en-US" altLang="zh-CN" dirty="0"/>
+          </a:p>
+          <a:p>
+            <a:endParaRPr lang="zh-CN" altLang="en-US" dirty="0"/>
+          </a:p>
+        </p:txBody>
+      </p:sp>
+      <p:pic>
+        <p:nvPicPr>
+          <p:cNvPr id="5" name="图片 4"/>
+          <p:cNvPicPr>
+            <a:picLocks noChangeAspect="1"/>
+          </p:cNvPicPr>
+          <p:nvPr/>
+        </p:nvPicPr>
+        <p:blipFill>
+          <a:blip r:embed="rId2"/>
+          <a:stretch>
+            <a:fillRect/>
+          </a:stretch>
+        </p:blipFill>
+        <p:spPr>
+          <a:xfrm>
+            <a:off x="3370001" y="141144"/>
+            <a:ext cx="1299100" cy="925465"/>
+          </a:xfrm>
+          <a:prstGeom prst="rect">
+            <a:avLst/>
+          </a:prstGeom>
+        </p:spPr>
+      </p:pic>
     </p:spTree>
     <p:extLst>
       <p:ext uri="{BB962C8B-B14F-4D97-AF65-F5344CB8AC3E}">
-        <p14:creationId xmlns:p14="http://schemas.microsoft.com/office/powerpoint/2010/main" val="2951951201"/>
+        <p14:creationId xmlns:p14="http://schemas.microsoft.com/office/powerpoint/2010/main" val="3501574137"/>
       </p:ext>
     </p:extLst>
   </p:cSld>
@@ -7490,187 +7575,1959 @@
           <a:chExt cx="0" cy="0"/>
         </a:xfrm>
       </p:grpSpPr>
-      <p:sp>
-        <p:nvSpPr>
-          <p:cNvPr id="4" name="矩形 3"/>
-          <p:cNvSpPr/>
-          <p:nvPr/>
-        </p:nvSpPr>
-        <p:spPr>
-          <a:xfrm>
-            <a:off x="484188" y="603874"/>
-            <a:ext cx="3463926" cy="2574423"/>
-          </a:xfrm>
-          <a:prstGeom prst="rect">
-            <a:avLst/>
-          </a:prstGeom>
-        </p:spPr>
-        <p:txBody>
-          <a:bodyPr wrap="square">
-            <a:spAutoFit/>
-          </a:bodyPr>
-          <a:lstStyle/>
-          <a:p>
-            <a:pPr algn="ctr"/>
-            <a:r>
-              <a:rPr lang="zh-CN" altLang="en-US" sz="1400" dirty="0"/>
-              <a:t>画图说明</a:t>
-            </a:r>
-            <a:endParaRPr lang="en-US" altLang="zh-CN" sz="1400" dirty="0"/>
-          </a:p>
-          <a:p>
-            <a:pPr algn="ctr"/>
-            <a:endParaRPr lang="en-US" altLang="zh-CN" sz="1400" dirty="0"/>
-          </a:p>
-          <a:p>
-            <a:pPr marL="171442" indent="-171442">
-              <a:buFont typeface="Arial" panose="020B0604020202020204" pitchFamily="34" charset="0"/>
-              <a:buChar char="•"/>
-            </a:pPr>
-            <a:r>
-              <a:rPr lang="en-US" altLang="zh-CN" dirty="0"/>
-              <a:t>PPT</a:t>
-            </a:r>
-            <a:r>
-              <a:rPr lang="zh-CN" altLang="en-US" dirty="0"/>
-              <a:t>文档的尺寸已改为</a:t>
-            </a:r>
-            <a:r>
-              <a:rPr lang="en-US" altLang="zh-CN" dirty="0"/>
-              <a:t>14mm×10mm</a:t>
-            </a:r>
-            <a:r>
-              <a:rPr lang="zh-CN" altLang="en-US" dirty="0"/>
-              <a:t>，插图在这个范围内绘制，大小就是标准的，排版时不用再进行缩放。可以保证图上线条的粗细和文字大小是一致的。</a:t>
-            </a:r>
-            <a:endParaRPr lang="en-US" altLang="zh-CN" dirty="0"/>
-          </a:p>
-          <a:p>
-            <a:pPr marL="171442" indent="-171442">
-              <a:buFont typeface="Arial" panose="020B0604020202020204" pitchFamily="34" charset="0"/>
-              <a:buChar char="•"/>
-            </a:pPr>
-            <a:r>
-              <a:rPr lang="zh-CN" altLang="en-US" dirty="0"/>
-              <a:t>线条的线型请使用 1 磅，过粗和过细的印刷效果都不好。</a:t>
-            </a:r>
-            <a:endParaRPr lang="en-US" altLang="zh-CN" dirty="0"/>
-          </a:p>
-          <a:p>
-            <a:pPr marL="171442" indent="-171442">
-              <a:buFont typeface="Arial" panose="020B0604020202020204" pitchFamily="34" charset="0"/>
-              <a:buChar char="•"/>
-            </a:pPr>
-            <a:r>
-              <a:rPr lang="zh-CN" altLang="en-US" dirty="0"/>
-              <a:t>箭头请设置为右图中格式。</a:t>
-            </a:r>
-            <a:endParaRPr lang="en-US" altLang="zh-CN" dirty="0"/>
-          </a:p>
-          <a:p>
-            <a:pPr marL="171442" indent="-171442">
-              <a:buFont typeface="Arial" panose="020B0604020202020204" pitchFamily="34" charset="0"/>
-              <a:buChar char="•"/>
-            </a:pPr>
-            <a:r>
-              <a:rPr lang="zh-CN" altLang="en-US" dirty="0"/>
-              <a:t>所有字体，设置为中文黑体，英文为</a:t>
-            </a:r>
-            <a:r>
-              <a:rPr lang="en-US" altLang="zh-CN" dirty="0"/>
-              <a:t>Times New Roman</a:t>
-            </a:r>
-            <a:r>
-              <a:rPr lang="zh-CN" altLang="en-US" dirty="0"/>
-              <a:t>，全部</a:t>
-            </a:r>
-            <a:r>
-              <a:rPr lang="en-US" altLang="zh-CN" dirty="0"/>
-              <a:t>9</a:t>
-            </a:r>
-            <a:r>
-              <a:rPr lang="zh-CN" altLang="en-US" dirty="0"/>
-              <a:t>号字。</a:t>
-            </a:r>
-            <a:endParaRPr lang="en-US" altLang="zh-CN" dirty="0"/>
-          </a:p>
-          <a:p>
-            <a:pPr marL="171442" indent="-171442">
-              <a:buFont typeface="Arial" panose="020B0604020202020204" pitchFamily="34" charset="0"/>
-              <a:buChar char="•"/>
-            </a:pPr>
-            <a:r>
-              <a:rPr lang="zh-CN" altLang="en-US" dirty="0"/>
-              <a:t>注意字体的加粗是有规范的，只有张量需要用加粗，例如矩阵和向量。其他字体请不要加粗</a:t>
-            </a:r>
-            <a:endParaRPr lang="en-US" altLang="zh-CN" dirty="0"/>
-          </a:p>
-          <a:p>
-            <a:pPr marL="171442" indent="-171442">
-              <a:buFont typeface="Arial" panose="020B0604020202020204" pitchFamily="34" charset="0"/>
-              <a:buChar char="•"/>
-            </a:pPr>
-            <a:r>
-              <a:rPr lang="zh-CN" altLang="en-US" dirty="0"/>
-              <a:t>凡是需要填充颜色的区域，请设置为无轮廓，也就是去掉四周的轮廓线。</a:t>
-            </a:r>
-            <a:endParaRPr lang="en-US" altLang="zh-CN" dirty="0"/>
-          </a:p>
-          <a:p>
-            <a:pPr marL="171442" indent="-171442">
-              <a:buFont typeface="Arial" panose="020B0604020202020204" pitchFamily="34" charset="0"/>
-              <a:buChar char="•"/>
-            </a:pPr>
-            <a:r>
-              <a:rPr lang="zh-CN" altLang="en-US" dirty="0"/>
-              <a:t>变量的字母为斜体，对应的数字为下角。</a:t>
-            </a:r>
-            <a:endParaRPr lang="en-US" altLang="zh-CN" dirty="0"/>
-          </a:p>
-          <a:p>
-            <a:pPr marL="171442" indent="-171442">
-              <a:buFont typeface="Arial" panose="020B0604020202020204" pitchFamily="34" charset="0"/>
-              <a:buChar char="•"/>
-            </a:pPr>
-            <a:r>
-              <a:rPr lang="zh-CN" altLang="en-US" dirty="0"/>
-              <a:t>注意背景图不能有参考线，需要是纯色的白底。</a:t>
-            </a:r>
-            <a:endParaRPr lang="en-US" altLang="zh-CN" dirty="0"/>
-          </a:p>
-          <a:p>
-            <a:endParaRPr lang="zh-CN" altLang="en-US" dirty="0"/>
-          </a:p>
-        </p:txBody>
-      </p:sp>
       <p:pic>
         <p:nvPicPr>
-          <p:cNvPr id="5" name="图片 4"/>
+          <p:cNvPr id="3" name="图片 2">
+            <a:extLst>
+              <a:ext uri="{FF2B5EF4-FFF2-40B4-BE49-F238E27FC236}">
+                <a16:creationId xmlns:a16="http://schemas.microsoft.com/office/drawing/2014/main" id="{64BB9C28-6218-1646-817A-BBB3C63474A4}"/>
+              </a:ext>
+            </a:extLst>
+          </p:cNvPr>
           <p:cNvPicPr>
             <a:picLocks noChangeAspect="1"/>
           </p:cNvPicPr>
           <p:nvPr/>
         </p:nvPicPr>
         <p:blipFill>
-          <a:blip r:embed="rId2"/>
+          <a:blip r:embed="rId2">
+            <a:extLst>
+              <a:ext uri="{28A0092B-C50C-407E-A947-70E740481C1C}">
+                <a14:useLocalDpi xmlns:a14="http://schemas.microsoft.com/office/drawing/2010/main" val="0"/>
+              </a:ext>
+            </a:extLst>
+          </a:blip>
           <a:stretch>
             <a:fillRect/>
           </a:stretch>
         </p:blipFill>
         <p:spPr>
           <a:xfrm>
-            <a:off x="3370001" y="141144"/>
-            <a:ext cx="1299100" cy="925465"/>
+            <a:off x="0" y="-1"/>
+            <a:ext cx="4744579" cy="3600450"/>
           </a:xfrm>
           <a:prstGeom prst="rect">
             <a:avLst/>
           </a:prstGeom>
         </p:spPr>
       </p:pic>
+      <p:sp>
+        <p:nvSpPr>
+          <p:cNvPr id="4" name="椭圆 3">
+            <a:extLst>
+              <a:ext uri="{FF2B5EF4-FFF2-40B4-BE49-F238E27FC236}">
+                <a16:creationId xmlns:a16="http://schemas.microsoft.com/office/drawing/2014/main" id="{34D0E62C-0A0A-9240-885E-6B4808031DFC}"/>
+              </a:ext>
+            </a:extLst>
+          </p:cNvPr>
+          <p:cNvSpPr/>
+          <p:nvPr/>
+        </p:nvSpPr>
+        <p:spPr>
+          <a:xfrm>
+            <a:off x="1684750" y="479121"/>
+            <a:ext cx="394571" cy="165970"/>
+          </a:xfrm>
+          <a:prstGeom prst="ellipse">
+            <a:avLst/>
+          </a:prstGeom>
+          <a:noFill/>
+          <a:ln>
+            <a:solidFill>
+              <a:srgbClr val="FFFF00"/>
+            </a:solidFill>
+          </a:ln>
+        </p:spPr>
+        <p:style>
+          <a:lnRef idx="2">
+            <a:schemeClr val="accent1">
+              <a:shade val="50000"/>
+            </a:schemeClr>
+          </a:lnRef>
+          <a:fillRef idx="1">
+            <a:schemeClr val="accent1"/>
+          </a:fillRef>
+          <a:effectRef idx="0">
+            <a:schemeClr val="accent1"/>
+          </a:effectRef>
+          <a:fontRef idx="minor">
+            <a:schemeClr val="lt1"/>
+          </a:fontRef>
+        </p:style>
+        <p:txBody>
+          <a:bodyPr rtlCol="0" anchor="ctr"/>
+          <a:lstStyle/>
+          <a:p>
+            <a:pPr algn="ctr"/>
+            <a:endParaRPr kumimoji="1" lang="zh-CN" altLang="en-US">
+              <a:solidFill>
+                <a:srgbClr val="FF0000"/>
+              </a:solidFill>
+            </a:endParaRPr>
+          </a:p>
+        </p:txBody>
+      </p:sp>
+      <p:cxnSp>
+        <p:nvCxnSpPr>
+          <p:cNvPr id="5" name="直线箭头连接符 4">
+            <a:extLst>
+              <a:ext uri="{FF2B5EF4-FFF2-40B4-BE49-F238E27FC236}">
+                <a16:creationId xmlns:a16="http://schemas.microsoft.com/office/drawing/2014/main" id="{7A67C282-1645-C248-BB8D-245A95EB72C9}"/>
+              </a:ext>
+            </a:extLst>
+          </p:cNvPr>
+          <p:cNvCxnSpPr>
+            <a:cxnSpLocks/>
+            <a:stCxn id="8" idx="1"/>
+            <a:endCxn id="4" idx="6"/>
+          </p:cNvCxnSpPr>
+          <p:nvPr/>
+        </p:nvCxnSpPr>
+        <p:spPr>
+          <a:xfrm flipH="1">
+            <a:off x="2079321" y="343256"/>
+            <a:ext cx="463464" cy="218850"/>
+          </a:xfrm>
+          <a:prstGeom prst="straightConnector1">
+            <a:avLst/>
+          </a:prstGeom>
+          <a:ln>
+            <a:solidFill>
+              <a:srgbClr val="FFFF00"/>
+            </a:solidFill>
+            <a:tailEnd type="triangle"/>
+          </a:ln>
+        </p:spPr>
+        <p:style>
+          <a:lnRef idx="1">
+            <a:schemeClr val="accent1"/>
+          </a:lnRef>
+          <a:fillRef idx="0">
+            <a:schemeClr val="accent1"/>
+          </a:fillRef>
+          <a:effectRef idx="0">
+            <a:schemeClr val="accent1"/>
+          </a:effectRef>
+          <a:fontRef idx="minor">
+            <a:schemeClr val="tx1"/>
+          </a:fontRef>
+        </p:style>
+      </p:cxnSp>
+      <p:sp>
+        <p:nvSpPr>
+          <p:cNvPr id="8" name="文本框 7">
+            <a:extLst>
+              <a:ext uri="{FF2B5EF4-FFF2-40B4-BE49-F238E27FC236}">
+                <a16:creationId xmlns:a16="http://schemas.microsoft.com/office/drawing/2014/main" id="{2E927A27-1CAB-AB4B-BEE2-144D7F271CA2}"/>
+              </a:ext>
+            </a:extLst>
+          </p:cNvPr>
+          <p:cNvSpPr txBox="1"/>
+          <p:nvPr/>
+        </p:nvSpPr>
+        <p:spPr>
+          <a:xfrm>
+            <a:off x="2542785" y="223832"/>
+            <a:ext cx="914400" cy="238848"/>
+          </a:xfrm>
+          <a:prstGeom prst="rect">
+            <a:avLst/>
+          </a:prstGeom>
+          <a:noFill/>
+        </p:spPr>
+        <p:txBody>
+          <a:bodyPr wrap="square" rtlCol="0">
+            <a:spAutoFit/>
+          </a:bodyPr>
+          <a:lstStyle/>
+          <a:p>
+            <a:r>
+              <a:rPr kumimoji="1" lang="zh-CN" altLang="en-US">
+                <a:solidFill>
+                  <a:srgbClr val="FFFF00"/>
+                </a:solidFill>
+              </a:rPr>
+              <a:t>抽奖策略领域</a:t>
+            </a:r>
+          </a:p>
+        </p:txBody>
+      </p:sp>
+      <p:sp>
+        <p:nvSpPr>
+          <p:cNvPr id="11" name="圆角矩形 10">
+            <a:extLst>
+              <a:ext uri="{FF2B5EF4-FFF2-40B4-BE49-F238E27FC236}">
+                <a16:creationId xmlns:a16="http://schemas.microsoft.com/office/drawing/2014/main" id="{E35956C3-BE7D-9647-8818-777BFD51916C}"/>
+              </a:ext>
+            </a:extLst>
+          </p:cNvPr>
+          <p:cNvSpPr/>
+          <p:nvPr/>
+        </p:nvSpPr>
+        <p:spPr>
+          <a:xfrm>
+            <a:off x="576196" y="645091"/>
+            <a:ext cx="2254685" cy="751561"/>
+          </a:xfrm>
+          <a:prstGeom prst="roundRect">
+            <a:avLst>
+              <a:gd name="adj" fmla="val 5023"/>
+            </a:avLst>
+          </a:prstGeom>
+          <a:noFill/>
+          <a:ln w="6350">
+            <a:solidFill>
+              <a:schemeClr val="accent1">
+                <a:lumMod val="20000"/>
+                <a:lumOff val="80000"/>
+              </a:schemeClr>
+            </a:solidFill>
+            <a:extLst>
+              <a:ext uri="{C807C97D-BFC1-408E-A445-0C87EB9F89A2}">
+                <ask:lineSketchStyleProps xmlns:ask="http://schemas.microsoft.com/office/drawing/2018/sketchyshapes" sd="3432359896">
+                  <a:custGeom>
+                    <a:avLst/>
+                    <a:gdLst>
+                      <a:gd name="connsiteX0" fmla="*/ 0 w 2254685"/>
+                      <a:gd name="connsiteY0" fmla="*/ 37751 h 751561"/>
+                      <a:gd name="connsiteX1" fmla="*/ 37751 w 2254685"/>
+                      <a:gd name="connsiteY1" fmla="*/ 0 h 751561"/>
+                      <a:gd name="connsiteX2" fmla="*/ 582547 w 2254685"/>
+                      <a:gd name="connsiteY2" fmla="*/ 0 h 751561"/>
+                      <a:gd name="connsiteX3" fmla="*/ 1105551 w 2254685"/>
+                      <a:gd name="connsiteY3" fmla="*/ 0 h 751561"/>
+                      <a:gd name="connsiteX4" fmla="*/ 1584971 w 2254685"/>
+                      <a:gd name="connsiteY4" fmla="*/ 0 h 751561"/>
+                      <a:gd name="connsiteX5" fmla="*/ 2216934 w 2254685"/>
+                      <a:gd name="connsiteY5" fmla="*/ 0 h 751561"/>
+                      <a:gd name="connsiteX6" fmla="*/ 2254685 w 2254685"/>
+                      <a:gd name="connsiteY6" fmla="*/ 37751 h 751561"/>
+                      <a:gd name="connsiteX7" fmla="*/ 2254685 w 2254685"/>
+                      <a:gd name="connsiteY7" fmla="*/ 713810 h 751561"/>
+                      <a:gd name="connsiteX8" fmla="*/ 2216934 w 2254685"/>
+                      <a:gd name="connsiteY8" fmla="*/ 751561 h 751561"/>
+                      <a:gd name="connsiteX9" fmla="*/ 1672138 w 2254685"/>
+                      <a:gd name="connsiteY9" fmla="*/ 751561 h 751561"/>
+                      <a:gd name="connsiteX10" fmla="*/ 1127343 w 2254685"/>
+                      <a:gd name="connsiteY10" fmla="*/ 751561 h 751561"/>
+                      <a:gd name="connsiteX11" fmla="*/ 538963 w 2254685"/>
+                      <a:gd name="connsiteY11" fmla="*/ 751561 h 751561"/>
+                      <a:gd name="connsiteX12" fmla="*/ 37751 w 2254685"/>
+                      <a:gd name="connsiteY12" fmla="*/ 751561 h 751561"/>
+                      <a:gd name="connsiteX13" fmla="*/ 0 w 2254685"/>
+                      <a:gd name="connsiteY13" fmla="*/ 713810 h 751561"/>
+                      <a:gd name="connsiteX14" fmla="*/ 0 w 2254685"/>
+                      <a:gd name="connsiteY14" fmla="*/ 37751 h 751561"/>
+                    </a:gdLst>
+                    <a:ahLst/>
+                    <a:cxnLst>
+                      <a:cxn ang="0">
+                        <a:pos x="connsiteX0" y="connsiteY0"/>
+                      </a:cxn>
+                      <a:cxn ang="0">
+                        <a:pos x="connsiteX1" y="connsiteY1"/>
+                      </a:cxn>
+                      <a:cxn ang="0">
+                        <a:pos x="connsiteX2" y="connsiteY2"/>
+                      </a:cxn>
+                      <a:cxn ang="0">
+                        <a:pos x="connsiteX3" y="connsiteY3"/>
+                      </a:cxn>
+                      <a:cxn ang="0">
+                        <a:pos x="connsiteX4" y="connsiteY4"/>
+                      </a:cxn>
+                      <a:cxn ang="0">
+                        <a:pos x="connsiteX5" y="connsiteY5"/>
+                      </a:cxn>
+                      <a:cxn ang="0">
+                        <a:pos x="connsiteX6" y="connsiteY6"/>
+                      </a:cxn>
+                      <a:cxn ang="0">
+                        <a:pos x="connsiteX7" y="connsiteY7"/>
+                      </a:cxn>
+                      <a:cxn ang="0">
+                        <a:pos x="connsiteX8" y="connsiteY8"/>
+                      </a:cxn>
+                      <a:cxn ang="0">
+                        <a:pos x="connsiteX9" y="connsiteY9"/>
+                      </a:cxn>
+                      <a:cxn ang="0">
+                        <a:pos x="connsiteX10" y="connsiteY10"/>
+                      </a:cxn>
+                      <a:cxn ang="0">
+                        <a:pos x="connsiteX11" y="connsiteY11"/>
+                      </a:cxn>
+                      <a:cxn ang="0">
+                        <a:pos x="connsiteX12" y="connsiteY12"/>
+                      </a:cxn>
+                      <a:cxn ang="0">
+                        <a:pos x="connsiteX13" y="connsiteY13"/>
+                      </a:cxn>
+                      <a:cxn ang="0">
+                        <a:pos x="connsiteX14" y="connsiteY14"/>
+                      </a:cxn>
+                    </a:cxnLst>
+                    <a:rect l="l" t="t" r="r" b="b"/>
+                    <a:pathLst>
+                      <a:path w="2254685" h="751561" extrusionOk="0">
+                        <a:moveTo>
+                          <a:pt x="0" y="37751"/>
+                        </a:moveTo>
+                        <a:cubicBezTo>
+                          <a:pt x="747" y="15495"/>
+                          <a:pt x="17032" y="1599"/>
+                          <a:pt x="37751" y="0"/>
+                        </a:cubicBezTo>
+                        <a:cubicBezTo>
+                          <a:pt x="271662" y="24299"/>
+                          <a:pt x="378220" y="22882"/>
+                          <a:pt x="582547" y="0"/>
+                        </a:cubicBezTo>
+                        <a:cubicBezTo>
+                          <a:pt x="786874" y="-22882"/>
+                          <a:pt x="881521" y="-14198"/>
+                          <a:pt x="1105551" y="0"/>
+                        </a:cubicBezTo>
+                        <a:cubicBezTo>
+                          <a:pt x="1329581" y="14198"/>
+                          <a:pt x="1470170" y="-11037"/>
+                          <a:pt x="1584971" y="0"/>
+                        </a:cubicBezTo>
+                        <a:cubicBezTo>
+                          <a:pt x="1699772" y="11037"/>
+                          <a:pt x="1995933" y="-31363"/>
+                          <a:pt x="2216934" y="0"/>
+                        </a:cubicBezTo>
+                        <a:cubicBezTo>
+                          <a:pt x="2238121" y="-3349"/>
+                          <a:pt x="2250224" y="19099"/>
+                          <a:pt x="2254685" y="37751"/>
+                        </a:cubicBezTo>
+                        <a:cubicBezTo>
+                          <a:pt x="2248276" y="241810"/>
+                          <a:pt x="2285648" y="489158"/>
+                          <a:pt x="2254685" y="713810"/>
+                        </a:cubicBezTo>
+                        <a:cubicBezTo>
+                          <a:pt x="2258455" y="737041"/>
+                          <a:pt x="2240445" y="751847"/>
+                          <a:pt x="2216934" y="751561"/>
+                        </a:cubicBezTo>
+                        <a:cubicBezTo>
+                          <a:pt x="1985692" y="755573"/>
+                          <a:pt x="1905523" y="749308"/>
+                          <a:pt x="1672138" y="751561"/>
+                        </a:cubicBezTo>
+                        <a:cubicBezTo>
+                          <a:pt x="1438753" y="753814"/>
+                          <a:pt x="1375267" y="768993"/>
+                          <a:pt x="1127343" y="751561"/>
+                        </a:cubicBezTo>
+                        <a:cubicBezTo>
+                          <a:pt x="879419" y="734129"/>
+                          <a:pt x="691310" y="755441"/>
+                          <a:pt x="538963" y="751561"/>
+                        </a:cubicBezTo>
+                        <a:cubicBezTo>
+                          <a:pt x="386616" y="747681"/>
+                          <a:pt x="234461" y="742599"/>
+                          <a:pt x="37751" y="751561"/>
+                        </a:cubicBezTo>
+                        <a:cubicBezTo>
+                          <a:pt x="16476" y="749173"/>
+                          <a:pt x="-3162" y="736421"/>
+                          <a:pt x="0" y="713810"/>
+                        </a:cubicBezTo>
+                        <a:cubicBezTo>
+                          <a:pt x="15586" y="533699"/>
+                          <a:pt x="-12878" y="341947"/>
+                          <a:pt x="0" y="37751"/>
+                        </a:cubicBezTo>
+                        <a:close/>
+                      </a:path>
+                    </a:pathLst>
+                  </a:custGeom>
+                  <ask:type>
+                    <ask:lineSketchNone/>
+                  </ask:type>
+                </ask:lineSketchStyleProps>
+              </a:ext>
+            </a:extLst>
+          </a:ln>
+        </p:spPr>
+        <p:style>
+          <a:lnRef idx="2">
+            <a:schemeClr val="accent1">
+              <a:shade val="50000"/>
+            </a:schemeClr>
+          </a:lnRef>
+          <a:fillRef idx="1">
+            <a:schemeClr val="accent1"/>
+          </a:fillRef>
+          <a:effectRef idx="0">
+            <a:schemeClr val="accent1"/>
+          </a:effectRef>
+          <a:fontRef idx="minor">
+            <a:schemeClr val="lt1"/>
+          </a:fontRef>
+        </p:style>
+        <p:txBody>
+          <a:bodyPr rtlCol="0" anchor="ctr"/>
+          <a:lstStyle/>
+          <a:p>
+            <a:pPr algn="ctr"/>
+            <a:endParaRPr kumimoji="1" lang="zh-CN" altLang="en-US">
+              <a:solidFill>
+                <a:srgbClr val="FF0000"/>
+              </a:solidFill>
+            </a:endParaRPr>
+          </a:p>
+        </p:txBody>
+      </p:sp>
+      <p:sp>
+        <p:nvSpPr>
+          <p:cNvPr id="12" name="圆角矩形 11">
+            <a:extLst>
+              <a:ext uri="{FF2B5EF4-FFF2-40B4-BE49-F238E27FC236}">
+                <a16:creationId xmlns:a16="http://schemas.microsoft.com/office/drawing/2014/main" id="{7E735476-EB67-6B49-A2F7-1523A990DB10}"/>
+              </a:ext>
+            </a:extLst>
+          </p:cNvPr>
+          <p:cNvSpPr/>
+          <p:nvPr/>
+        </p:nvSpPr>
+        <p:spPr>
+          <a:xfrm>
+            <a:off x="576196" y="1411723"/>
+            <a:ext cx="2254685" cy="504564"/>
+          </a:xfrm>
+          <a:prstGeom prst="roundRect">
+            <a:avLst>
+              <a:gd name="adj" fmla="val 5023"/>
+            </a:avLst>
+          </a:prstGeom>
+          <a:noFill/>
+          <a:ln w="6350">
+            <a:solidFill>
+              <a:schemeClr val="accent1">
+                <a:lumMod val="20000"/>
+                <a:lumOff val="80000"/>
+              </a:schemeClr>
+            </a:solidFill>
+            <a:extLst>
+              <a:ext uri="{C807C97D-BFC1-408E-A445-0C87EB9F89A2}">
+                <ask:lineSketchStyleProps xmlns:ask="http://schemas.microsoft.com/office/drawing/2018/sketchyshapes" sd="3432359896">
+                  <a:custGeom>
+                    <a:avLst/>
+                    <a:gdLst>
+                      <a:gd name="connsiteX0" fmla="*/ 0 w 2254685"/>
+                      <a:gd name="connsiteY0" fmla="*/ 25344 h 504564"/>
+                      <a:gd name="connsiteX1" fmla="*/ 25344 w 2254685"/>
+                      <a:gd name="connsiteY1" fmla="*/ 0 h 504564"/>
+                      <a:gd name="connsiteX2" fmla="*/ 576343 w 2254685"/>
+                      <a:gd name="connsiteY2" fmla="*/ 0 h 504564"/>
+                      <a:gd name="connsiteX3" fmla="*/ 1105303 w 2254685"/>
+                      <a:gd name="connsiteY3" fmla="*/ 0 h 504564"/>
+                      <a:gd name="connsiteX4" fmla="*/ 1590182 w 2254685"/>
+                      <a:gd name="connsiteY4" fmla="*/ 0 h 504564"/>
+                      <a:gd name="connsiteX5" fmla="*/ 2229341 w 2254685"/>
+                      <a:gd name="connsiteY5" fmla="*/ 0 h 504564"/>
+                      <a:gd name="connsiteX6" fmla="*/ 2254685 w 2254685"/>
+                      <a:gd name="connsiteY6" fmla="*/ 25344 h 504564"/>
+                      <a:gd name="connsiteX7" fmla="*/ 2254685 w 2254685"/>
+                      <a:gd name="connsiteY7" fmla="*/ 479220 h 504564"/>
+                      <a:gd name="connsiteX8" fmla="*/ 2229341 w 2254685"/>
+                      <a:gd name="connsiteY8" fmla="*/ 504564 h 504564"/>
+                      <a:gd name="connsiteX9" fmla="*/ 1678342 w 2254685"/>
+                      <a:gd name="connsiteY9" fmla="*/ 504564 h 504564"/>
+                      <a:gd name="connsiteX10" fmla="*/ 1127343 w 2254685"/>
+                      <a:gd name="connsiteY10" fmla="*/ 504564 h 504564"/>
+                      <a:gd name="connsiteX11" fmla="*/ 532263 w 2254685"/>
+                      <a:gd name="connsiteY11" fmla="*/ 504564 h 504564"/>
+                      <a:gd name="connsiteX12" fmla="*/ 25344 w 2254685"/>
+                      <a:gd name="connsiteY12" fmla="*/ 504564 h 504564"/>
+                      <a:gd name="connsiteX13" fmla="*/ 0 w 2254685"/>
+                      <a:gd name="connsiteY13" fmla="*/ 479220 h 504564"/>
+                      <a:gd name="connsiteX14" fmla="*/ 0 w 2254685"/>
+                      <a:gd name="connsiteY14" fmla="*/ 25344 h 504564"/>
+                    </a:gdLst>
+                    <a:ahLst/>
+                    <a:cxnLst>
+                      <a:cxn ang="0">
+                        <a:pos x="connsiteX0" y="connsiteY0"/>
+                      </a:cxn>
+                      <a:cxn ang="0">
+                        <a:pos x="connsiteX1" y="connsiteY1"/>
+                      </a:cxn>
+                      <a:cxn ang="0">
+                        <a:pos x="connsiteX2" y="connsiteY2"/>
+                      </a:cxn>
+                      <a:cxn ang="0">
+                        <a:pos x="connsiteX3" y="connsiteY3"/>
+                      </a:cxn>
+                      <a:cxn ang="0">
+                        <a:pos x="connsiteX4" y="connsiteY4"/>
+                      </a:cxn>
+                      <a:cxn ang="0">
+                        <a:pos x="connsiteX5" y="connsiteY5"/>
+                      </a:cxn>
+                      <a:cxn ang="0">
+                        <a:pos x="connsiteX6" y="connsiteY6"/>
+                      </a:cxn>
+                      <a:cxn ang="0">
+                        <a:pos x="connsiteX7" y="connsiteY7"/>
+                      </a:cxn>
+                      <a:cxn ang="0">
+                        <a:pos x="connsiteX8" y="connsiteY8"/>
+                      </a:cxn>
+                      <a:cxn ang="0">
+                        <a:pos x="connsiteX9" y="connsiteY9"/>
+                      </a:cxn>
+                      <a:cxn ang="0">
+                        <a:pos x="connsiteX10" y="connsiteY10"/>
+                      </a:cxn>
+                      <a:cxn ang="0">
+                        <a:pos x="connsiteX11" y="connsiteY11"/>
+                      </a:cxn>
+                      <a:cxn ang="0">
+                        <a:pos x="connsiteX12" y="connsiteY12"/>
+                      </a:cxn>
+                      <a:cxn ang="0">
+                        <a:pos x="connsiteX13" y="connsiteY13"/>
+                      </a:cxn>
+                      <a:cxn ang="0">
+                        <a:pos x="connsiteX14" y="connsiteY14"/>
+                      </a:cxn>
+                    </a:cxnLst>
+                    <a:rect l="l" t="t" r="r" b="b"/>
+                    <a:pathLst>
+                      <a:path w="2254685" h="504564" extrusionOk="0">
+                        <a:moveTo>
+                          <a:pt x="0" y="25344"/>
+                        </a:moveTo>
+                        <a:cubicBezTo>
+                          <a:pt x="1350" y="8805"/>
+                          <a:pt x="11411" y="792"/>
+                          <a:pt x="25344" y="0"/>
+                        </a:cubicBezTo>
+                        <a:cubicBezTo>
+                          <a:pt x="287022" y="-17631"/>
+                          <a:pt x="425063" y="-21134"/>
+                          <a:pt x="576343" y="0"/>
+                        </a:cubicBezTo>
+                        <a:cubicBezTo>
+                          <a:pt x="727623" y="21134"/>
+                          <a:pt x="965430" y="4705"/>
+                          <a:pt x="1105303" y="0"/>
+                        </a:cubicBezTo>
+                        <a:cubicBezTo>
+                          <a:pt x="1245176" y="-4705"/>
+                          <a:pt x="1354020" y="11574"/>
+                          <a:pt x="1590182" y="0"/>
+                        </a:cubicBezTo>
+                        <a:cubicBezTo>
+                          <a:pt x="1826344" y="-11574"/>
+                          <a:pt x="2030724" y="29366"/>
+                          <a:pt x="2229341" y="0"/>
+                        </a:cubicBezTo>
+                        <a:cubicBezTo>
+                          <a:pt x="2243638" y="-2976"/>
+                          <a:pt x="2252142" y="12599"/>
+                          <a:pt x="2254685" y="25344"/>
+                        </a:cubicBezTo>
+                        <a:cubicBezTo>
+                          <a:pt x="2260493" y="176785"/>
+                          <a:pt x="2277375" y="372482"/>
+                          <a:pt x="2254685" y="479220"/>
+                        </a:cubicBezTo>
+                        <a:cubicBezTo>
+                          <a:pt x="2257561" y="495035"/>
+                          <a:pt x="2245443" y="504790"/>
+                          <a:pt x="2229341" y="504564"/>
+                        </a:cubicBezTo>
+                        <a:cubicBezTo>
+                          <a:pt x="2113039" y="494719"/>
+                          <a:pt x="1874900" y="518425"/>
+                          <a:pt x="1678342" y="504564"/>
+                        </a:cubicBezTo>
+                        <a:cubicBezTo>
+                          <a:pt x="1481784" y="490703"/>
+                          <a:pt x="1362388" y="491208"/>
+                          <a:pt x="1127343" y="504564"/>
+                        </a:cubicBezTo>
+                        <a:cubicBezTo>
+                          <a:pt x="892298" y="517920"/>
+                          <a:pt x="734545" y="517431"/>
+                          <a:pt x="532263" y="504564"/>
+                        </a:cubicBezTo>
+                        <a:cubicBezTo>
+                          <a:pt x="329981" y="491697"/>
+                          <a:pt x="131000" y="481297"/>
+                          <a:pt x="25344" y="504564"/>
+                        </a:cubicBezTo>
+                        <a:cubicBezTo>
+                          <a:pt x="11224" y="503876"/>
+                          <a:pt x="-2875" y="494820"/>
+                          <a:pt x="0" y="479220"/>
+                        </a:cubicBezTo>
+                        <a:cubicBezTo>
+                          <a:pt x="-16044" y="369649"/>
+                          <a:pt x="2185" y="238636"/>
+                          <a:pt x="0" y="25344"/>
+                        </a:cubicBezTo>
+                        <a:close/>
+                      </a:path>
+                    </a:pathLst>
+                  </a:custGeom>
+                  <ask:type>
+                    <ask:lineSketchNone/>
+                  </ask:type>
+                </ask:lineSketchStyleProps>
+              </a:ext>
+            </a:extLst>
+          </a:ln>
+        </p:spPr>
+        <p:style>
+          <a:lnRef idx="2">
+            <a:schemeClr val="accent1">
+              <a:shade val="50000"/>
+            </a:schemeClr>
+          </a:lnRef>
+          <a:fillRef idx="1">
+            <a:schemeClr val="accent1"/>
+          </a:fillRef>
+          <a:effectRef idx="0">
+            <a:schemeClr val="accent1"/>
+          </a:effectRef>
+          <a:fontRef idx="minor">
+            <a:schemeClr val="lt1"/>
+          </a:fontRef>
+        </p:style>
+        <p:txBody>
+          <a:bodyPr rtlCol="0" anchor="ctr"/>
+          <a:lstStyle/>
+          <a:p>
+            <a:pPr algn="ctr"/>
+            <a:endParaRPr kumimoji="1" lang="zh-CN" altLang="en-US">
+              <a:solidFill>
+                <a:srgbClr val="FF0000"/>
+              </a:solidFill>
+            </a:endParaRPr>
+          </a:p>
+        </p:txBody>
+      </p:sp>
+      <p:sp>
+        <p:nvSpPr>
+          <p:cNvPr id="13" name="圆角矩形 12">
+            <a:extLst>
+              <a:ext uri="{FF2B5EF4-FFF2-40B4-BE49-F238E27FC236}">
+                <a16:creationId xmlns:a16="http://schemas.microsoft.com/office/drawing/2014/main" id="{BCBBB84D-11F5-D54B-8F83-E5FE564F9533}"/>
+              </a:ext>
+            </a:extLst>
+          </p:cNvPr>
+          <p:cNvSpPr/>
+          <p:nvPr/>
+        </p:nvSpPr>
+        <p:spPr>
+          <a:xfrm>
+            <a:off x="576196" y="1931357"/>
+            <a:ext cx="2254685" cy="1669093"/>
+          </a:xfrm>
+          <a:prstGeom prst="roundRect">
+            <a:avLst>
+              <a:gd name="adj" fmla="val 2021"/>
+            </a:avLst>
+          </a:prstGeom>
+          <a:noFill/>
+          <a:ln w="6350">
+            <a:solidFill>
+              <a:schemeClr val="accent1">
+                <a:lumMod val="20000"/>
+                <a:lumOff val="80000"/>
+              </a:schemeClr>
+            </a:solidFill>
+            <a:extLst>
+              <a:ext uri="{C807C97D-BFC1-408E-A445-0C87EB9F89A2}">
+                <ask:lineSketchStyleProps xmlns:ask="http://schemas.microsoft.com/office/drawing/2018/sketchyshapes" sd="3432359896">
+                  <a:custGeom>
+                    <a:avLst/>
+                    <a:gdLst>
+                      <a:gd name="connsiteX0" fmla="*/ 0 w 2254685"/>
+                      <a:gd name="connsiteY0" fmla="*/ 83839 h 1669093"/>
+                      <a:gd name="connsiteX1" fmla="*/ 83839 w 2254685"/>
+                      <a:gd name="connsiteY1" fmla="*/ 0 h 1669093"/>
+                      <a:gd name="connsiteX2" fmla="*/ 779508 w 2254685"/>
+                      <a:gd name="connsiteY2" fmla="*/ 0 h 1669093"/>
+                      <a:gd name="connsiteX3" fmla="*/ 1454307 w 2254685"/>
+                      <a:gd name="connsiteY3" fmla="*/ 0 h 1669093"/>
+                      <a:gd name="connsiteX4" fmla="*/ 2170846 w 2254685"/>
+                      <a:gd name="connsiteY4" fmla="*/ 0 h 1669093"/>
+                      <a:gd name="connsiteX5" fmla="*/ 2254685 w 2254685"/>
+                      <a:gd name="connsiteY5" fmla="*/ 83839 h 1669093"/>
+                      <a:gd name="connsiteX6" fmla="*/ 2254685 w 2254685"/>
+                      <a:gd name="connsiteY6" fmla="*/ 554282 h 1669093"/>
+                      <a:gd name="connsiteX7" fmla="*/ 2254685 w 2254685"/>
+                      <a:gd name="connsiteY7" fmla="*/ 1084782 h 1669093"/>
+                      <a:gd name="connsiteX8" fmla="*/ 2254685 w 2254685"/>
+                      <a:gd name="connsiteY8" fmla="*/ 1585254 h 1669093"/>
+                      <a:gd name="connsiteX9" fmla="*/ 2170846 w 2254685"/>
+                      <a:gd name="connsiteY9" fmla="*/ 1669093 h 1669093"/>
+                      <a:gd name="connsiteX10" fmla="*/ 1454307 w 2254685"/>
+                      <a:gd name="connsiteY10" fmla="*/ 1669093 h 1669093"/>
+                      <a:gd name="connsiteX11" fmla="*/ 716898 w 2254685"/>
+                      <a:gd name="connsiteY11" fmla="*/ 1669093 h 1669093"/>
+                      <a:gd name="connsiteX12" fmla="*/ 83839 w 2254685"/>
+                      <a:gd name="connsiteY12" fmla="*/ 1669093 h 1669093"/>
+                      <a:gd name="connsiteX13" fmla="*/ 0 w 2254685"/>
+                      <a:gd name="connsiteY13" fmla="*/ 1585254 h 1669093"/>
+                      <a:gd name="connsiteX14" fmla="*/ 0 w 2254685"/>
+                      <a:gd name="connsiteY14" fmla="*/ 1084782 h 1669093"/>
+                      <a:gd name="connsiteX15" fmla="*/ 0 w 2254685"/>
+                      <a:gd name="connsiteY15" fmla="*/ 554282 h 1669093"/>
+                      <a:gd name="connsiteX16" fmla="*/ 0 w 2254685"/>
+                      <a:gd name="connsiteY16" fmla="*/ 83839 h 1669093"/>
+                    </a:gdLst>
+                    <a:ahLst/>
+                    <a:cxnLst>
+                      <a:cxn ang="0">
+                        <a:pos x="connsiteX0" y="connsiteY0"/>
+                      </a:cxn>
+                      <a:cxn ang="0">
+                        <a:pos x="connsiteX1" y="connsiteY1"/>
+                      </a:cxn>
+                      <a:cxn ang="0">
+                        <a:pos x="connsiteX2" y="connsiteY2"/>
+                      </a:cxn>
+                      <a:cxn ang="0">
+                        <a:pos x="connsiteX3" y="connsiteY3"/>
+                      </a:cxn>
+                      <a:cxn ang="0">
+                        <a:pos x="connsiteX4" y="connsiteY4"/>
+                      </a:cxn>
+                      <a:cxn ang="0">
+                        <a:pos x="connsiteX5" y="connsiteY5"/>
+                      </a:cxn>
+                      <a:cxn ang="0">
+                        <a:pos x="connsiteX6" y="connsiteY6"/>
+                      </a:cxn>
+                      <a:cxn ang="0">
+                        <a:pos x="connsiteX7" y="connsiteY7"/>
+                      </a:cxn>
+                      <a:cxn ang="0">
+                        <a:pos x="connsiteX8" y="connsiteY8"/>
+                      </a:cxn>
+                      <a:cxn ang="0">
+                        <a:pos x="connsiteX9" y="connsiteY9"/>
+                      </a:cxn>
+                      <a:cxn ang="0">
+                        <a:pos x="connsiteX10" y="connsiteY10"/>
+                      </a:cxn>
+                      <a:cxn ang="0">
+                        <a:pos x="connsiteX11" y="connsiteY11"/>
+                      </a:cxn>
+                      <a:cxn ang="0">
+                        <a:pos x="connsiteX12" y="connsiteY12"/>
+                      </a:cxn>
+                      <a:cxn ang="0">
+                        <a:pos x="connsiteX13" y="connsiteY13"/>
+                      </a:cxn>
+                      <a:cxn ang="0">
+                        <a:pos x="connsiteX14" y="connsiteY14"/>
+                      </a:cxn>
+                      <a:cxn ang="0">
+                        <a:pos x="connsiteX15" y="connsiteY15"/>
+                      </a:cxn>
+                      <a:cxn ang="0">
+                        <a:pos x="connsiteX16" y="connsiteY16"/>
+                      </a:cxn>
+                    </a:cxnLst>
+                    <a:rect l="l" t="t" r="r" b="b"/>
+                    <a:pathLst>
+                      <a:path w="2254685" h="1669093" extrusionOk="0">
+                        <a:moveTo>
+                          <a:pt x="0" y="83839"/>
+                        </a:moveTo>
+                        <a:cubicBezTo>
+                          <a:pt x="1182" y="35310"/>
+                          <a:pt x="38233" y="8576"/>
+                          <a:pt x="83839" y="0"/>
+                        </a:cubicBezTo>
+                        <a:cubicBezTo>
+                          <a:pt x="340535" y="3279"/>
+                          <a:pt x="481753" y="-11143"/>
+                          <a:pt x="779508" y="0"/>
+                        </a:cubicBezTo>
+                        <a:cubicBezTo>
+                          <a:pt x="1077263" y="11143"/>
+                          <a:pt x="1280615" y="-10193"/>
+                          <a:pt x="1454307" y="0"/>
+                        </a:cubicBezTo>
+                        <a:cubicBezTo>
+                          <a:pt x="1627999" y="10193"/>
+                          <a:pt x="1897754" y="-29662"/>
+                          <a:pt x="2170846" y="0"/>
+                        </a:cubicBezTo>
+                        <a:cubicBezTo>
+                          <a:pt x="2212246" y="7983"/>
+                          <a:pt x="2251847" y="33446"/>
+                          <a:pt x="2254685" y="83839"/>
+                        </a:cubicBezTo>
+                        <a:cubicBezTo>
+                          <a:pt x="2251903" y="269273"/>
+                          <a:pt x="2233317" y="350853"/>
+                          <a:pt x="2254685" y="554282"/>
+                        </a:cubicBezTo>
+                        <a:cubicBezTo>
+                          <a:pt x="2276053" y="757711"/>
+                          <a:pt x="2252821" y="953014"/>
+                          <a:pt x="2254685" y="1084782"/>
+                        </a:cubicBezTo>
+                        <a:cubicBezTo>
+                          <a:pt x="2256549" y="1216550"/>
+                          <a:pt x="2240643" y="1379782"/>
+                          <a:pt x="2254685" y="1585254"/>
+                        </a:cubicBezTo>
+                        <a:cubicBezTo>
+                          <a:pt x="2252902" y="1629221"/>
+                          <a:pt x="2223190" y="1678155"/>
+                          <a:pt x="2170846" y="1669093"/>
+                        </a:cubicBezTo>
+                        <a:cubicBezTo>
+                          <a:pt x="1999894" y="1688707"/>
+                          <a:pt x="1795178" y="1699783"/>
+                          <a:pt x="1454307" y="1669093"/>
+                        </a:cubicBezTo>
+                        <a:cubicBezTo>
+                          <a:pt x="1113436" y="1638403"/>
+                          <a:pt x="1061651" y="1666322"/>
+                          <a:pt x="716898" y="1669093"/>
+                        </a:cubicBezTo>
+                        <a:cubicBezTo>
+                          <a:pt x="372145" y="1671864"/>
+                          <a:pt x="352280" y="1644689"/>
+                          <a:pt x="83839" y="1669093"/>
+                        </a:cubicBezTo>
+                        <a:cubicBezTo>
+                          <a:pt x="36084" y="1660960"/>
+                          <a:pt x="-8761" y="1636441"/>
+                          <a:pt x="0" y="1585254"/>
+                        </a:cubicBezTo>
+                        <a:cubicBezTo>
+                          <a:pt x="15555" y="1352045"/>
+                          <a:pt x="15908" y="1312208"/>
+                          <a:pt x="0" y="1084782"/>
+                        </a:cubicBezTo>
+                        <a:cubicBezTo>
+                          <a:pt x="-15908" y="857356"/>
+                          <a:pt x="-5462" y="811205"/>
+                          <a:pt x="0" y="554282"/>
+                        </a:cubicBezTo>
+                        <a:cubicBezTo>
+                          <a:pt x="5462" y="297359"/>
+                          <a:pt x="13622" y="234540"/>
+                          <a:pt x="0" y="83839"/>
+                        </a:cubicBezTo>
+                        <a:close/>
+                      </a:path>
+                    </a:pathLst>
+                  </a:custGeom>
+                  <ask:type>
+                    <ask:lineSketchNone/>
+                  </ask:type>
+                </ask:lineSketchStyleProps>
+              </a:ext>
+            </a:extLst>
+          </a:ln>
+        </p:spPr>
+        <p:style>
+          <a:lnRef idx="2">
+            <a:schemeClr val="accent1">
+              <a:shade val="50000"/>
+            </a:schemeClr>
+          </a:lnRef>
+          <a:fillRef idx="1">
+            <a:schemeClr val="accent1"/>
+          </a:fillRef>
+          <a:effectRef idx="0">
+            <a:schemeClr val="accent1"/>
+          </a:effectRef>
+          <a:fontRef idx="minor">
+            <a:schemeClr val="lt1"/>
+          </a:fontRef>
+        </p:style>
+        <p:txBody>
+          <a:bodyPr rtlCol="0" anchor="ctr"/>
+          <a:lstStyle/>
+          <a:p>
+            <a:pPr algn="ctr"/>
+            <a:endParaRPr kumimoji="1" lang="zh-CN" altLang="en-US">
+              <a:solidFill>
+                <a:srgbClr val="FF0000"/>
+              </a:solidFill>
+            </a:endParaRPr>
+          </a:p>
+        </p:txBody>
+      </p:sp>
+      <p:sp>
+        <p:nvSpPr>
+          <p:cNvPr id="14" name="圆角矩形 13">
+            <a:extLst>
+              <a:ext uri="{FF2B5EF4-FFF2-40B4-BE49-F238E27FC236}">
+                <a16:creationId xmlns:a16="http://schemas.microsoft.com/office/drawing/2014/main" id="{EFC99A35-41C5-D74B-8A39-1D0951A960F4}"/>
+              </a:ext>
+            </a:extLst>
+          </p:cNvPr>
+          <p:cNvSpPr/>
+          <p:nvPr/>
+        </p:nvSpPr>
+        <p:spPr>
+          <a:xfrm>
+            <a:off x="56368" y="645090"/>
+            <a:ext cx="455808" cy="751561"/>
+          </a:xfrm>
+          <a:prstGeom prst="roundRect">
+            <a:avLst>
+              <a:gd name="adj" fmla="val 5023"/>
+            </a:avLst>
+          </a:prstGeom>
+          <a:noFill/>
+          <a:ln w="6350">
+            <a:solidFill>
+              <a:schemeClr val="accent1">
+                <a:lumMod val="20000"/>
+                <a:lumOff val="80000"/>
+              </a:schemeClr>
+            </a:solidFill>
+            <a:extLst>
+              <a:ext uri="{C807C97D-BFC1-408E-A445-0C87EB9F89A2}">
+                <ask:lineSketchStyleProps xmlns:ask="http://schemas.microsoft.com/office/drawing/2018/sketchyshapes" sd="3432359896">
+                  <a:custGeom>
+                    <a:avLst/>
+                    <a:gdLst>
+                      <a:gd name="connsiteX0" fmla="*/ 0 w 2254685"/>
+                      <a:gd name="connsiteY0" fmla="*/ 37751 h 751561"/>
+                      <a:gd name="connsiteX1" fmla="*/ 37751 w 2254685"/>
+                      <a:gd name="connsiteY1" fmla="*/ 0 h 751561"/>
+                      <a:gd name="connsiteX2" fmla="*/ 582547 w 2254685"/>
+                      <a:gd name="connsiteY2" fmla="*/ 0 h 751561"/>
+                      <a:gd name="connsiteX3" fmla="*/ 1105551 w 2254685"/>
+                      <a:gd name="connsiteY3" fmla="*/ 0 h 751561"/>
+                      <a:gd name="connsiteX4" fmla="*/ 1584971 w 2254685"/>
+                      <a:gd name="connsiteY4" fmla="*/ 0 h 751561"/>
+                      <a:gd name="connsiteX5" fmla="*/ 2216934 w 2254685"/>
+                      <a:gd name="connsiteY5" fmla="*/ 0 h 751561"/>
+                      <a:gd name="connsiteX6" fmla="*/ 2254685 w 2254685"/>
+                      <a:gd name="connsiteY6" fmla="*/ 37751 h 751561"/>
+                      <a:gd name="connsiteX7" fmla="*/ 2254685 w 2254685"/>
+                      <a:gd name="connsiteY7" fmla="*/ 713810 h 751561"/>
+                      <a:gd name="connsiteX8" fmla="*/ 2216934 w 2254685"/>
+                      <a:gd name="connsiteY8" fmla="*/ 751561 h 751561"/>
+                      <a:gd name="connsiteX9" fmla="*/ 1672138 w 2254685"/>
+                      <a:gd name="connsiteY9" fmla="*/ 751561 h 751561"/>
+                      <a:gd name="connsiteX10" fmla="*/ 1127343 w 2254685"/>
+                      <a:gd name="connsiteY10" fmla="*/ 751561 h 751561"/>
+                      <a:gd name="connsiteX11" fmla="*/ 538963 w 2254685"/>
+                      <a:gd name="connsiteY11" fmla="*/ 751561 h 751561"/>
+                      <a:gd name="connsiteX12" fmla="*/ 37751 w 2254685"/>
+                      <a:gd name="connsiteY12" fmla="*/ 751561 h 751561"/>
+                      <a:gd name="connsiteX13" fmla="*/ 0 w 2254685"/>
+                      <a:gd name="connsiteY13" fmla="*/ 713810 h 751561"/>
+                      <a:gd name="connsiteX14" fmla="*/ 0 w 2254685"/>
+                      <a:gd name="connsiteY14" fmla="*/ 37751 h 751561"/>
+                    </a:gdLst>
+                    <a:ahLst/>
+                    <a:cxnLst>
+                      <a:cxn ang="0">
+                        <a:pos x="connsiteX0" y="connsiteY0"/>
+                      </a:cxn>
+                      <a:cxn ang="0">
+                        <a:pos x="connsiteX1" y="connsiteY1"/>
+                      </a:cxn>
+                      <a:cxn ang="0">
+                        <a:pos x="connsiteX2" y="connsiteY2"/>
+                      </a:cxn>
+                      <a:cxn ang="0">
+                        <a:pos x="connsiteX3" y="connsiteY3"/>
+                      </a:cxn>
+                      <a:cxn ang="0">
+                        <a:pos x="connsiteX4" y="connsiteY4"/>
+                      </a:cxn>
+                      <a:cxn ang="0">
+                        <a:pos x="connsiteX5" y="connsiteY5"/>
+                      </a:cxn>
+                      <a:cxn ang="0">
+                        <a:pos x="connsiteX6" y="connsiteY6"/>
+                      </a:cxn>
+                      <a:cxn ang="0">
+                        <a:pos x="connsiteX7" y="connsiteY7"/>
+                      </a:cxn>
+                      <a:cxn ang="0">
+                        <a:pos x="connsiteX8" y="connsiteY8"/>
+                      </a:cxn>
+                      <a:cxn ang="0">
+                        <a:pos x="connsiteX9" y="connsiteY9"/>
+                      </a:cxn>
+                      <a:cxn ang="0">
+                        <a:pos x="connsiteX10" y="connsiteY10"/>
+                      </a:cxn>
+                      <a:cxn ang="0">
+                        <a:pos x="connsiteX11" y="connsiteY11"/>
+                      </a:cxn>
+                      <a:cxn ang="0">
+                        <a:pos x="connsiteX12" y="connsiteY12"/>
+                      </a:cxn>
+                      <a:cxn ang="0">
+                        <a:pos x="connsiteX13" y="connsiteY13"/>
+                      </a:cxn>
+                      <a:cxn ang="0">
+                        <a:pos x="connsiteX14" y="connsiteY14"/>
+                      </a:cxn>
+                    </a:cxnLst>
+                    <a:rect l="l" t="t" r="r" b="b"/>
+                    <a:pathLst>
+                      <a:path w="2254685" h="751561" extrusionOk="0">
+                        <a:moveTo>
+                          <a:pt x="0" y="37751"/>
+                        </a:moveTo>
+                        <a:cubicBezTo>
+                          <a:pt x="747" y="15495"/>
+                          <a:pt x="17032" y="1599"/>
+                          <a:pt x="37751" y="0"/>
+                        </a:cubicBezTo>
+                        <a:cubicBezTo>
+                          <a:pt x="271662" y="24299"/>
+                          <a:pt x="378220" y="22882"/>
+                          <a:pt x="582547" y="0"/>
+                        </a:cubicBezTo>
+                        <a:cubicBezTo>
+                          <a:pt x="786874" y="-22882"/>
+                          <a:pt x="881521" y="-14198"/>
+                          <a:pt x="1105551" y="0"/>
+                        </a:cubicBezTo>
+                        <a:cubicBezTo>
+                          <a:pt x="1329581" y="14198"/>
+                          <a:pt x="1470170" y="-11037"/>
+                          <a:pt x="1584971" y="0"/>
+                        </a:cubicBezTo>
+                        <a:cubicBezTo>
+                          <a:pt x="1699772" y="11037"/>
+                          <a:pt x="1995933" y="-31363"/>
+                          <a:pt x="2216934" y="0"/>
+                        </a:cubicBezTo>
+                        <a:cubicBezTo>
+                          <a:pt x="2238121" y="-3349"/>
+                          <a:pt x="2250224" y="19099"/>
+                          <a:pt x="2254685" y="37751"/>
+                        </a:cubicBezTo>
+                        <a:cubicBezTo>
+                          <a:pt x="2248276" y="241810"/>
+                          <a:pt x="2285648" y="489158"/>
+                          <a:pt x="2254685" y="713810"/>
+                        </a:cubicBezTo>
+                        <a:cubicBezTo>
+                          <a:pt x="2258455" y="737041"/>
+                          <a:pt x="2240445" y="751847"/>
+                          <a:pt x="2216934" y="751561"/>
+                        </a:cubicBezTo>
+                        <a:cubicBezTo>
+                          <a:pt x="1985692" y="755573"/>
+                          <a:pt x="1905523" y="749308"/>
+                          <a:pt x="1672138" y="751561"/>
+                        </a:cubicBezTo>
+                        <a:cubicBezTo>
+                          <a:pt x="1438753" y="753814"/>
+                          <a:pt x="1375267" y="768993"/>
+                          <a:pt x="1127343" y="751561"/>
+                        </a:cubicBezTo>
+                        <a:cubicBezTo>
+                          <a:pt x="879419" y="734129"/>
+                          <a:pt x="691310" y="755441"/>
+                          <a:pt x="538963" y="751561"/>
+                        </a:cubicBezTo>
+                        <a:cubicBezTo>
+                          <a:pt x="386616" y="747681"/>
+                          <a:pt x="234461" y="742599"/>
+                          <a:pt x="37751" y="751561"/>
+                        </a:cubicBezTo>
+                        <a:cubicBezTo>
+                          <a:pt x="16476" y="749173"/>
+                          <a:pt x="-3162" y="736421"/>
+                          <a:pt x="0" y="713810"/>
+                        </a:cubicBezTo>
+                        <a:cubicBezTo>
+                          <a:pt x="15586" y="533699"/>
+                          <a:pt x="-12878" y="341947"/>
+                          <a:pt x="0" y="37751"/>
+                        </a:cubicBezTo>
+                        <a:close/>
+                      </a:path>
+                    </a:pathLst>
+                  </a:custGeom>
+                  <ask:type>
+                    <ask:lineSketchNone/>
+                  </ask:type>
+                </ask:lineSketchStyleProps>
+              </a:ext>
+            </a:extLst>
+          </a:ln>
+        </p:spPr>
+        <p:style>
+          <a:lnRef idx="2">
+            <a:schemeClr val="accent1">
+              <a:shade val="50000"/>
+            </a:schemeClr>
+          </a:lnRef>
+          <a:fillRef idx="1">
+            <a:schemeClr val="accent1"/>
+          </a:fillRef>
+          <a:effectRef idx="0">
+            <a:schemeClr val="accent1"/>
+          </a:effectRef>
+          <a:fontRef idx="minor">
+            <a:schemeClr val="lt1"/>
+          </a:fontRef>
+        </p:style>
+        <p:txBody>
+          <a:bodyPr rtlCol="0" anchor="ctr"/>
+          <a:lstStyle/>
+          <a:p>
+            <a:pPr algn="ctr"/>
+            <a:r>
+              <a:rPr kumimoji="1" lang="zh-CN" altLang="en-US">
+                <a:solidFill>
+                  <a:schemeClr val="bg1"/>
+                </a:solidFill>
+              </a:rPr>
+              <a:t>聚合</a:t>
+            </a:r>
+            <a:endParaRPr kumimoji="1" lang="en-US" altLang="zh-CN">
+              <a:solidFill>
+                <a:schemeClr val="bg1"/>
+              </a:solidFill>
+            </a:endParaRPr>
+          </a:p>
+          <a:p>
+            <a:pPr algn="ctr"/>
+            <a:r>
+              <a:rPr kumimoji="1" lang="zh-CN" altLang="en-US">
+                <a:solidFill>
+                  <a:schemeClr val="bg1"/>
+                </a:solidFill>
+              </a:rPr>
+              <a:t>对象</a:t>
+            </a:r>
+          </a:p>
+        </p:txBody>
+      </p:sp>
+      <p:sp>
+        <p:nvSpPr>
+          <p:cNvPr id="15" name="圆角矩形 14">
+            <a:extLst>
+              <a:ext uri="{FF2B5EF4-FFF2-40B4-BE49-F238E27FC236}">
+                <a16:creationId xmlns:a16="http://schemas.microsoft.com/office/drawing/2014/main" id="{301BE1E0-86CC-EC44-8003-5742DC2E0719}"/>
+              </a:ext>
+            </a:extLst>
+          </p:cNvPr>
+          <p:cNvSpPr/>
+          <p:nvPr/>
+        </p:nvSpPr>
+        <p:spPr>
+          <a:xfrm>
+            <a:off x="56368" y="1412802"/>
+            <a:ext cx="455808" cy="503486"/>
+          </a:xfrm>
+          <a:prstGeom prst="roundRect">
+            <a:avLst>
+              <a:gd name="adj" fmla="val 5023"/>
+            </a:avLst>
+          </a:prstGeom>
+          <a:noFill/>
+          <a:ln w="6350">
+            <a:solidFill>
+              <a:schemeClr val="accent1">
+                <a:lumMod val="20000"/>
+                <a:lumOff val="80000"/>
+              </a:schemeClr>
+            </a:solidFill>
+            <a:extLst>
+              <a:ext uri="{C807C97D-BFC1-408E-A445-0C87EB9F89A2}">
+                <ask:lineSketchStyleProps xmlns:ask="http://schemas.microsoft.com/office/drawing/2018/sketchyshapes" sd="3432359896">
+                  <a:custGeom>
+                    <a:avLst/>
+                    <a:gdLst>
+                      <a:gd name="connsiteX0" fmla="*/ 0 w 2254685"/>
+                      <a:gd name="connsiteY0" fmla="*/ 37751 h 751561"/>
+                      <a:gd name="connsiteX1" fmla="*/ 37751 w 2254685"/>
+                      <a:gd name="connsiteY1" fmla="*/ 0 h 751561"/>
+                      <a:gd name="connsiteX2" fmla="*/ 582547 w 2254685"/>
+                      <a:gd name="connsiteY2" fmla="*/ 0 h 751561"/>
+                      <a:gd name="connsiteX3" fmla="*/ 1105551 w 2254685"/>
+                      <a:gd name="connsiteY3" fmla="*/ 0 h 751561"/>
+                      <a:gd name="connsiteX4" fmla="*/ 1584971 w 2254685"/>
+                      <a:gd name="connsiteY4" fmla="*/ 0 h 751561"/>
+                      <a:gd name="connsiteX5" fmla="*/ 2216934 w 2254685"/>
+                      <a:gd name="connsiteY5" fmla="*/ 0 h 751561"/>
+                      <a:gd name="connsiteX6" fmla="*/ 2254685 w 2254685"/>
+                      <a:gd name="connsiteY6" fmla="*/ 37751 h 751561"/>
+                      <a:gd name="connsiteX7" fmla="*/ 2254685 w 2254685"/>
+                      <a:gd name="connsiteY7" fmla="*/ 713810 h 751561"/>
+                      <a:gd name="connsiteX8" fmla="*/ 2216934 w 2254685"/>
+                      <a:gd name="connsiteY8" fmla="*/ 751561 h 751561"/>
+                      <a:gd name="connsiteX9" fmla="*/ 1672138 w 2254685"/>
+                      <a:gd name="connsiteY9" fmla="*/ 751561 h 751561"/>
+                      <a:gd name="connsiteX10" fmla="*/ 1127343 w 2254685"/>
+                      <a:gd name="connsiteY10" fmla="*/ 751561 h 751561"/>
+                      <a:gd name="connsiteX11" fmla="*/ 538963 w 2254685"/>
+                      <a:gd name="connsiteY11" fmla="*/ 751561 h 751561"/>
+                      <a:gd name="connsiteX12" fmla="*/ 37751 w 2254685"/>
+                      <a:gd name="connsiteY12" fmla="*/ 751561 h 751561"/>
+                      <a:gd name="connsiteX13" fmla="*/ 0 w 2254685"/>
+                      <a:gd name="connsiteY13" fmla="*/ 713810 h 751561"/>
+                      <a:gd name="connsiteX14" fmla="*/ 0 w 2254685"/>
+                      <a:gd name="connsiteY14" fmla="*/ 37751 h 751561"/>
+                    </a:gdLst>
+                    <a:ahLst/>
+                    <a:cxnLst>
+                      <a:cxn ang="0">
+                        <a:pos x="connsiteX0" y="connsiteY0"/>
+                      </a:cxn>
+                      <a:cxn ang="0">
+                        <a:pos x="connsiteX1" y="connsiteY1"/>
+                      </a:cxn>
+                      <a:cxn ang="0">
+                        <a:pos x="connsiteX2" y="connsiteY2"/>
+                      </a:cxn>
+                      <a:cxn ang="0">
+                        <a:pos x="connsiteX3" y="connsiteY3"/>
+                      </a:cxn>
+                      <a:cxn ang="0">
+                        <a:pos x="connsiteX4" y="connsiteY4"/>
+                      </a:cxn>
+                      <a:cxn ang="0">
+                        <a:pos x="connsiteX5" y="connsiteY5"/>
+                      </a:cxn>
+                      <a:cxn ang="0">
+                        <a:pos x="connsiteX6" y="connsiteY6"/>
+                      </a:cxn>
+                      <a:cxn ang="0">
+                        <a:pos x="connsiteX7" y="connsiteY7"/>
+                      </a:cxn>
+                      <a:cxn ang="0">
+                        <a:pos x="connsiteX8" y="connsiteY8"/>
+                      </a:cxn>
+                      <a:cxn ang="0">
+                        <a:pos x="connsiteX9" y="connsiteY9"/>
+                      </a:cxn>
+                      <a:cxn ang="0">
+                        <a:pos x="connsiteX10" y="connsiteY10"/>
+                      </a:cxn>
+                      <a:cxn ang="0">
+                        <a:pos x="connsiteX11" y="connsiteY11"/>
+                      </a:cxn>
+                      <a:cxn ang="0">
+                        <a:pos x="connsiteX12" y="connsiteY12"/>
+                      </a:cxn>
+                      <a:cxn ang="0">
+                        <a:pos x="connsiteX13" y="connsiteY13"/>
+                      </a:cxn>
+                      <a:cxn ang="0">
+                        <a:pos x="connsiteX14" y="connsiteY14"/>
+                      </a:cxn>
+                    </a:cxnLst>
+                    <a:rect l="l" t="t" r="r" b="b"/>
+                    <a:pathLst>
+                      <a:path w="2254685" h="751561" extrusionOk="0">
+                        <a:moveTo>
+                          <a:pt x="0" y="37751"/>
+                        </a:moveTo>
+                        <a:cubicBezTo>
+                          <a:pt x="747" y="15495"/>
+                          <a:pt x="17032" y="1599"/>
+                          <a:pt x="37751" y="0"/>
+                        </a:cubicBezTo>
+                        <a:cubicBezTo>
+                          <a:pt x="271662" y="24299"/>
+                          <a:pt x="378220" y="22882"/>
+                          <a:pt x="582547" y="0"/>
+                        </a:cubicBezTo>
+                        <a:cubicBezTo>
+                          <a:pt x="786874" y="-22882"/>
+                          <a:pt x="881521" y="-14198"/>
+                          <a:pt x="1105551" y="0"/>
+                        </a:cubicBezTo>
+                        <a:cubicBezTo>
+                          <a:pt x="1329581" y="14198"/>
+                          <a:pt x="1470170" y="-11037"/>
+                          <a:pt x="1584971" y="0"/>
+                        </a:cubicBezTo>
+                        <a:cubicBezTo>
+                          <a:pt x="1699772" y="11037"/>
+                          <a:pt x="1995933" y="-31363"/>
+                          <a:pt x="2216934" y="0"/>
+                        </a:cubicBezTo>
+                        <a:cubicBezTo>
+                          <a:pt x="2238121" y="-3349"/>
+                          <a:pt x="2250224" y="19099"/>
+                          <a:pt x="2254685" y="37751"/>
+                        </a:cubicBezTo>
+                        <a:cubicBezTo>
+                          <a:pt x="2248276" y="241810"/>
+                          <a:pt x="2285648" y="489158"/>
+                          <a:pt x="2254685" y="713810"/>
+                        </a:cubicBezTo>
+                        <a:cubicBezTo>
+                          <a:pt x="2258455" y="737041"/>
+                          <a:pt x="2240445" y="751847"/>
+                          <a:pt x="2216934" y="751561"/>
+                        </a:cubicBezTo>
+                        <a:cubicBezTo>
+                          <a:pt x="1985692" y="755573"/>
+                          <a:pt x="1905523" y="749308"/>
+                          <a:pt x="1672138" y="751561"/>
+                        </a:cubicBezTo>
+                        <a:cubicBezTo>
+                          <a:pt x="1438753" y="753814"/>
+                          <a:pt x="1375267" y="768993"/>
+                          <a:pt x="1127343" y="751561"/>
+                        </a:cubicBezTo>
+                        <a:cubicBezTo>
+                          <a:pt x="879419" y="734129"/>
+                          <a:pt x="691310" y="755441"/>
+                          <a:pt x="538963" y="751561"/>
+                        </a:cubicBezTo>
+                        <a:cubicBezTo>
+                          <a:pt x="386616" y="747681"/>
+                          <a:pt x="234461" y="742599"/>
+                          <a:pt x="37751" y="751561"/>
+                        </a:cubicBezTo>
+                        <a:cubicBezTo>
+                          <a:pt x="16476" y="749173"/>
+                          <a:pt x="-3162" y="736421"/>
+                          <a:pt x="0" y="713810"/>
+                        </a:cubicBezTo>
+                        <a:cubicBezTo>
+                          <a:pt x="15586" y="533699"/>
+                          <a:pt x="-12878" y="341947"/>
+                          <a:pt x="0" y="37751"/>
+                        </a:cubicBezTo>
+                        <a:close/>
+                      </a:path>
+                    </a:pathLst>
+                  </a:custGeom>
+                  <ask:type>
+                    <ask:lineSketchNone/>
+                  </ask:type>
+                </ask:lineSketchStyleProps>
+              </a:ext>
+            </a:extLst>
+          </a:ln>
+        </p:spPr>
+        <p:style>
+          <a:lnRef idx="2">
+            <a:schemeClr val="accent1">
+              <a:shade val="50000"/>
+            </a:schemeClr>
+          </a:lnRef>
+          <a:fillRef idx="1">
+            <a:schemeClr val="accent1"/>
+          </a:fillRef>
+          <a:effectRef idx="0">
+            <a:schemeClr val="accent1"/>
+          </a:effectRef>
+          <a:fontRef idx="minor">
+            <a:schemeClr val="lt1"/>
+          </a:fontRef>
+        </p:style>
+        <p:txBody>
+          <a:bodyPr rtlCol="0" anchor="ctr"/>
+          <a:lstStyle/>
+          <a:p>
+            <a:pPr algn="ctr"/>
+            <a:r>
+              <a:rPr kumimoji="1" lang="zh-CN" altLang="en-US">
+                <a:solidFill>
+                  <a:schemeClr val="bg1"/>
+                </a:solidFill>
+              </a:rPr>
+              <a:t>数据</a:t>
+            </a:r>
+            <a:endParaRPr kumimoji="1" lang="en-US" altLang="zh-CN">
+              <a:solidFill>
+                <a:schemeClr val="bg1"/>
+              </a:solidFill>
+            </a:endParaRPr>
+          </a:p>
+          <a:p>
+            <a:pPr algn="ctr"/>
+            <a:r>
+              <a:rPr kumimoji="1" lang="zh-CN" altLang="en-US">
+                <a:solidFill>
+                  <a:schemeClr val="bg1"/>
+                </a:solidFill>
+              </a:rPr>
+              <a:t>仓储</a:t>
+            </a:r>
+          </a:p>
+        </p:txBody>
+      </p:sp>
+      <p:sp>
+        <p:nvSpPr>
+          <p:cNvPr id="16" name="圆角矩形 15">
+            <a:extLst>
+              <a:ext uri="{FF2B5EF4-FFF2-40B4-BE49-F238E27FC236}">
+                <a16:creationId xmlns:a16="http://schemas.microsoft.com/office/drawing/2014/main" id="{E869C7CC-65C0-4842-A28A-1DCD0CDFD6E9}"/>
+              </a:ext>
+            </a:extLst>
+          </p:cNvPr>
+          <p:cNvSpPr/>
+          <p:nvPr/>
+        </p:nvSpPr>
+        <p:spPr>
+          <a:xfrm>
+            <a:off x="56368" y="1931356"/>
+            <a:ext cx="455808" cy="1669093"/>
+          </a:xfrm>
+          <a:prstGeom prst="roundRect">
+            <a:avLst>
+              <a:gd name="adj" fmla="val 5023"/>
+            </a:avLst>
+          </a:prstGeom>
+          <a:noFill/>
+          <a:ln w="6350">
+            <a:solidFill>
+              <a:schemeClr val="accent1">
+                <a:lumMod val="20000"/>
+                <a:lumOff val="80000"/>
+              </a:schemeClr>
+            </a:solidFill>
+            <a:extLst>
+              <a:ext uri="{C807C97D-BFC1-408E-A445-0C87EB9F89A2}">
+                <ask:lineSketchStyleProps xmlns:ask="http://schemas.microsoft.com/office/drawing/2018/sketchyshapes" sd="3432359896">
+                  <a:custGeom>
+                    <a:avLst/>
+                    <a:gdLst>
+                      <a:gd name="connsiteX0" fmla="*/ 0 w 2254685"/>
+                      <a:gd name="connsiteY0" fmla="*/ 37751 h 751561"/>
+                      <a:gd name="connsiteX1" fmla="*/ 37751 w 2254685"/>
+                      <a:gd name="connsiteY1" fmla="*/ 0 h 751561"/>
+                      <a:gd name="connsiteX2" fmla="*/ 582547 w 2254685"/>
+                      <a:gd name="connsiteY2" fmla="*/ 0 h 751561"/>
+                      <a:gd name="connsiteX3" fmla="*/ 1105551 w 2254685"/>
+                      <a:gd name="connsiteY3" fmla="*/ 0 h 751561"/>
+                      <a:gd name="connsiteX4" fmla="*/ 1584971 w 2254685"/>
+                      <a:gd name="connsiteY4" fmla="*/ 0 h 751561"/>
+                      <a:gd name="connsiteX5" fmla="*/ 2216934 w 2254685"/>
+                      <a:gd name="connsiteY5" fmla="*/ 0 h 751561"/>
+                      <a:gd name="connsiteX6" fmla="*/ 2254685 w 2254685"/>
+                      <a:gd name="connsiteY6" fmla="*/ 37751 h 751561"/>
+                      <a:gd name="connsiteX7" fmla="*/ 2254685 w 2254685"/>
+                      <a:gd name="connsiteY7" fmla="*/ 713810 h 751561"/>
+                      <a:gd name="connsiteX8" fmla="*/ 2216934 w 2254685"/>
+                      <a:gd name="connsiteY8" fmla="*/ 751561 h 751561"/>
+                      <a:gd name="connsiteX9" fmla="*/ 1672138 w 2254685"/>
+                      <a:gd name="connsiteY9" fmla="*/ 751561 h 751561"/>
+                      <a:gd name="connsiteX10" fmla="*/ 1127343 w 2254685"/>
+                      <a:gd name="connsiteY10" fmla="*/ 751561 h 751561"/>
+                      <a:gd name="connsiteX11" fmla="*/ 538963 w 2254685"/>
+                      <a:gd name="connsiteY11" fmla="*/ 751561 h 751561"/>
+                      <a:gd name="connsiteX12" fmla="*/ 37751 w 2254685"/>
+                      <a:gd name="connsiteY12" fmla="*/ 751561 h 751561"/>
+                      <a:gd name="connsiteX13" fmla="*/ 0 w 2254685"/>
+                      <a:gd name="connsiteY13" fmla="*/ 713810 h 751561"/>
+                      <a:gd name="connsiteX14" fmla="*/ 0 w 2254685"/>
+                      <a:gd name="connsiteY14" fmla="*/ 37751 h 751561"/>
+                    </a:gdLst>
+                    <a:ahLst/>
+                    <a:cxnLst>
+                      <a:cxn ang="0">
+                        <a:pos x="connsiteX0" y="connsiteY0"/>
+                      </a:cxn>
+                      <a:cxn ang="0">
+                        <a:pos x="connsiteX1" y="connsiteY1"/>
+                      </a:cxn>
+                      <a:cxn ang="0">
+                        <a:pos x="connsiteX2" y="connsiteY2"/>
+                      </a:cxn>
+                      <a:cxn ang="0">
+                        <a:pos x="connsiteX3" y="connsiteY3"/>
+                      </a:cxn>
+                      <a:cxn ang="0">
+                        <a:pos x="connsiteX4" y="connsiteY4"/>
+                      </a:cxn>
+                      <a:cxn ang="0">
+                        <a:pos x="connsiteX5" y="connsiteY5"/>
+                      </a:cxn>
+                      <a:cxn ang="0">
+                        <a:pos x="connsiteX6" y="connsiteY6"/>
+                      </a:cxn>
+                      <a:cxn ang="0">
+                        <a:pos x="connsiteX7" y="connsiteY7"/>
+                      </a:cxn>
+                      <a:cxn ang="0">
+                        <a:pos x="connsiteX8" y="connsiteY8"/>
+                      </a:cxn>
+                      <a:cxn ang="0">
+                        <a:pos x="connsiteX9" y="connsiteY9"/>
+                      </a:cxn>
+                      <a:cxn ang="0">
+                        <a:pos x="connsiteX10" y="connsiteY10"/>
+                      </a:cxn>
+                      <a:cxn ang="0">
+                        <a:pos x="connsiteX11" y="connsiteY11"/>
+                      </a:cxn>
+                      <a:cxn ang="0">
+                        <a:pos x="connsiteX12" y="connsiteY12"/>
+                      </a:cxn>
+                      <a:cxn ang="0">
+                        <a:pos x="connsiteX13" y="connsiteY13"/>
+                      </a:cxn>
+                      <a:cxn ang="0">
+                        <a:pos x="connsiteX14" y="connsiteY14"/>
+                      </a:cxn>
+                    </a:cxnLst>
+                    <a:rect l="l" t="t" r="r" b="b"/>
+                    <a:pathLst>
+                      <a:path w="2254685" h="751561" extrusionOk="0">
+                        <a:moveTo>
+                          <a:pt x="0" y="37751"/>
+                        </a:moveTo>
+                        <a:cubicBezTo>
+                          <a:pt x="747" y="15495"/>
+                          <a:pt x="17032" y="1599"/>
+                          <a:pt x="37751" y="0"/>
+                        </a:cubicBezTo>
+                        <a:cubicBezTo>
+                          <a:pt x="271662" y="24299"/>
+                          <a:pt x="378220" y="22882"/>
+                          <a:pt x="582547" y="0"/>
+                        </a:cubicBezTo>
+                        <a:cubicBezTo>
+                          <a:pt x="786874" y="-22882"/>
+                          <a:pt x="881521" y="-14198"/>
+                          <a:pt x="1105551" y="0"/>
+                        </a:cubicBezTo>
+                        <a:cubicBezTo>
+                          <a:pt x="1329581" y="14198"/>
+                          <a:pt x="1470170" y="-11037"/>
+                          <a:pt x="1584971" y="0"/>
+                        </a:cubicBezTo>
+                        <a:cubicBezTo>
+                          <a:pt x="1699772" y="11037"/>
+                          <a:pt x="1995933" y="-31363"/>
+                          <a:pt x="2216934" y="0"/>
+                        </a:cubicBezTo>
+                        <a:cubicBezTo>
+                          <a:pt x="2238121" y="-3349"/>
+                          <a:pt x="2250224" y="19099"/>
+                          <a:pt x="2254685" y="37751"/>
+                        </a:cubicBezTo>
+                        <a:cubicBezTo>
+                          <a:pt x="2248276" y="241810"/>
+                          <a:pt x="2285648" y="489158"/>
+                          <a:pt x="2254685" y="713810"/>
+                        </a:cubicBezTo>
+                        <a:cubicBezTo>
+                          <a:pt x="2258455" y="737041"/>
+                          <a:pt x="2240445" y="751847"/>
+                          <a:pt x="2216934" y="751561"/>
+                        </a:cubicBezTo>
+                        <a:cubicBezTo>
+                          <a:pt x="1985692" y="755573"/>
+                          <a:pt x="1905523" y="749308"/>
+                          <a:pt x="1672138" y="751561"/>
+                        </a:cubicBezTo>
+                        <a:cubicBezTo>
+                          <a:pt x="1438753" y="753814"/>
+                          <a:pt x="1375267" y="768993"/>
+                          <a:pt x="1127343" y="751561"/>
+                        </a:cubicBezTo>
+                        <a:cubicBezTo>
+                          <a:pt x="879419" y="734129"/>
+                          <a:pt x="691310" y="755441"/>
+                          <a:pt x="538963" y="751561"/>
+                        </a:cubicBezTo>
+                        <a:cubicBezTo>
+                          <a:pt x="386616" y="747681"/>
+                          <a:pt x="234461" y="742599"/>
+                          <a:pt x="37751" y="751561"/>
+                        </a:cubicBezTo>
+                        <a:cubicBezTo>
+                          <a:pt x="16476" y="749173"/>
+                          <a:pt x="-3162" y="736421"/>
+                          <a:pt x="0" y="713810"/>
+                        </a:cubicBezTo>
+                        <a:cubicBezTo>
+                          <a:pt x="15586" y="533699"/>
+                          <a:pt x="-12878" y="341947"/>
+                          <a:pt x="0" y="37751"/>
+                        </a:cubicBezTo>
+                        <a:close/>
+                      </a:path>
+                    </a:pathLst>
+                  </a:custGeom>
+                  <ask:type>
+                    <ask:lineSketchNone/>
+                  </ask:type>
+                </ask:lineSketchStyleProps>
+              </a:ext>
+            </a:extLst>
+          </a:ln>
+        </p:spPr>
+        <p:style>
+          <a:lnRef idx="2">
+            <a:schemeClr val="accent1">
+              <a:shade val="50000"/>
+            </a:schemeClr>
+          </a:lnRef>
+          <a:fillRef idx="1">
+            <a:schemeClr val="accent1"/>
+          </a:fillRef>
+          <a:effectRef idx="0">
+            <a:schemeClr val="accent1"/>
+          </a:effectRef>
+          <a:fontRef idx="minor">
+            <a:schemeClr val="lt1"/>
+          </a:fontRef>
+        </p:style>
+        <p:txBody>
+          <a:bodyPr rtlCol="0" anchor="ctr"/>
+          <a:lstStyle/>
+          <a:p>
+            <a:pPr algn="ctr"/>
+            <a:r>
+              <a:rPr kumimoji="1" lang="zh-CN" altLang="en-US">
+                <a:solidFill>
+                  <a:schemeClr val="bg1"/>
+                </a:solidFill>
+              </a:rPr>
+              <a:t>领域</a:t>
+            </a:r>
+            <a:endParaRPr kumimoji="1" lang="en-US" altLang="zh-CN">
+              <a:solidFill>
+                <a:schemeClr val="bg1"/>
+              </a:solidFill>
+            </a:endParaRPr>
+          </a:p>
+          <a:p>
+            <a:pPr algn="ctr"/>
+            <a:r>
+              <a:rPr kumimoji="1" lang="zh-CN" altLang="en-US">
+                <a:solidFill>
+                  <a:schemeClr val="bg1"/>
+                </a:solidFill>
+              </a:rPr>
+              <a:t>服务</a:t>
+            </a:r>
+          </a:p>
+        </p:txBody>
+      </p:sp>
+      <p:sp>
+        <p:nvSpPr>
+          <p:cNvPr id="17" name="圆角矩形 16">
+            <a:extLst>
+              <a:ext uri="{FF2B5EF4-FFF2-40B4-BE49-F238E27FC236}">
+                <a16:creationId xmlns:a16="http://schemas.microsoft.com/office/drawing/2014/main" id="{E917708D-A167-394C-B931-97D136D2A078}"/>
+              </a:ext>
+            </a:extLst>
+          </p:cNvPr>
+          <p:cNvSpPr/>
+          <p:nvPr/>
+        </p:nvSpPr>
+        <p:spPr>
+          <a:xfrm>
+            <a:off x="697628" y="2041744"/>
+            <a:ext cx="2011820" cy="776612"/>
+          </a:xfrm>
+          <a:prstGeom prst="roundRect">
+            <a:avLst>
+              <a:gd name="adj" fmla="val 5908"/>
+            </a:avLst>
+          </a:prstGeom>
+          <a:noFill/>
+          <a:ln w="3175">
+            <a:solidFill>
+              <a:srgbClr val="FFC000"/>
+            </a:solidFill>
+            <a:extLst>
+              <a:ext uri="{C807C97D-BFC1-408E-A445-0C87EB9F89A2}">
+                <ask:lineSketchStyleProps xmlns:ask="http://schemas.microsoft.com/office/drawing/2018/sketchyshapes">
+                  <ask:type>
+                    <ask:lineSketchScribble/>
+                  </ask:type>
+                </ask:lineSketchStyleProps>
+              </a:ext>
+            </a:extLst>
+          </a:ln>
+        </p:spPr>
+        <p:style>
+          <a:lnRef idx="2">
+            <a:schemeClr val="accent1">
+              <a:shade val="50000"/>
+            </a:schemeClr>
+          </a:lnRef>
+          <a:fillRef idx="1">
+            <a:schemeClr val="accent1"/>
+          </a:fillRef>
+          <a:effectRef idx="0">
+            <a:schemeClr val="accent1"/>
+          </a:effectRef>
+          <a:fontRef idx="minor">
+            <a:schemeClr val="lt1"/>
+          </a:fontRef>
+        </p:style>
+        <p:txBody>
+          <a:bodyPr rtlCol="0" anchor="ctr"/>
+          <a:lstStyle/>
+          <a:p>
+            <a:pPr algn="ctr"/>
+            <a:endParaRPr kumimoji="1" lang="zh-CN" altLang="en-US">
+              <a:solidFill>
+                <a:srgbClr val="FF0000"/>
+              </a:solidFill>
+            </a:endParaRPr>
+          </a:p>
+        </p:txBody>
+      </p:sp>
+      <p:sp>
+        <p:nvSpPr>
+          <p:cNvPr id="18" name="圆角矩形 17">
+            <a:extLst>
+              <a:ext uri="{FF2B5EF4-FFF2-40B4-BE49-F238E27FC236}">
+                <a16:creationId xmlns:a16="http://schemas.microsoft.com/office/drawing/2014/main" id="{2769CA50-34B8-264C-8D08-286DA676179F}"/>
+              </a:ext>
+            </a:extLst>
+          </p:cNvPr>
+          <p:cNvSpPr/>
+          <p:nvPr/>
+        </p:nvSpPr>
+        <p:spPr>
+          <a:xfrm>
+            <a:off x="697628" y="2861481"/>
+            <a:ext cx="2011820" cy="715630"/>
+          </a:xfrm>
+          <a:prstGeom prst="roundRect">
+            <a:avLst>
+              <a:gd name="adj" fmla="val 5908"/>
+            </a:avLst>
+          </a:prstGeom>
+          <a:noFill/>
+          <a:ln w="3175">
+            <a:solidFill>
+              <a:srgbClr val="FFC000"/>
+            </a:solidFill>
+            <a:extLst>
+              <a:ext uri="{C807C97D-BFC1-408E-A445-0C87EB9F89A2}">
+                <ask:lineSketchStyleProps xmlns:ask="http://schemas.microsoft.com/office/drawing/2018/sketchyshapes">
+                  <ask:type>
+                    <ask:lineSketchScribble/>
+                  </ask:type>
+                </ask:lineSketchStyleProps>
+              </a:ext>
+            </a:extLst>
+          </a:ln>
+        </p:spPr>
+        <p:style>
+          <a:lnRef idx="2">
+            <a:schemeClr val="accent1">
+              <a:shade val="50000"/>
+            </a:schemeClr>
+          </a:lnRef>
+          <a:fillRef idx="1">
+            <a:schemeClr val="accent1"/>
+          </a:fillRef>
+          <a:effectRef idx="0">
+            <a:schemeClr val="accent1"/>
+          </a:effectRef>
+          <a:fontRef idx="minor">
+            <a:schemeClr val="lt1"/>
+          </a:fontRef>
+        </p:style>
+        <p:txBody>
+          <a:bodyPr rtlCol="0" anchor="ctr"/>
+          <a:lstStyle/>
+          <a:p>
+            <a:pPr algn="ctr"/>
+            <a:endParaRPr kumimoji="1" lang="zh-CN" altLang="en-US">
+              <a:solidFill>
+                <a:srgbClr val="FF0000"/>
+              </a:solidFill>
+            </a:endParaRPr>
+          </a:p>
+        </p:txBody>
+      </p:sp>
+      <p:sp>
+        <p:nvSpPr>
+          <p:cNvPr id="19" name="文本框 18">
+            <a:extLst>
+              <a:ext uri="{FF2B5EF4-FFF2-40B4-BE49-F238E27FC236}">
+                <a16:creationId xmlns:a16="http://schemas.microsoft.com/office/drawing/2014/main" id="{B9A01937-64D4-9647-8160-8AE2204E054A}"/>
+              </a:ext>
+            </a:extLst>
+          </p:cNvPr>
+          <p:cNvSpPr txBox="1"/>
+          <p:nvPr/>
+        </p:nvSpPr>
+        <p:spPr>
+          <a:xfrm>
+            <a:off x="2952313" y="2310626"/>
+            <a:ext cx="914400" cy="238848"/>
+          </a:xfrm>
+          <a:prstGeom prst="rect">
+            <a:avLst/>
+          </a:prstGeom>
+          <a:noFill/>
+        </p:spPr>
+        <p:txBody>
+          <a:bodyPr wrap="square" rtlCol="0">
+            <a:spAutoFit/>
+          </a:bodyPr>
+          <a:lstStyle/>
+          <a:p>
+            <a:r>
+              <a:rPr kumimoji="1" lang="zh-CN" altLang="en-US">
+                <a:solidFill>
+                  <a:schemeClr val="bg1"/>
+                </a:solidFill>
+              </a:rPr>
+              <a:t>抽奖策略</a:t>
+            </a:r>
+          </a:p>
+        </p:txBody>
+      </p:sp>
+      <p:sp>
+        <p:nvSpPr>
+          <p:cNvPr id="20" name="文本框 19">
+            <a:extLst>
+              <a:ext uri="{FF2B5EF4-FFF2-40B4-BE49-F238E27FC236}">
+                <a16:creationId xmlns:a16="http://schemas.microsoft.com/office/drawing/2014/main" id="{73EF78C1-E33F-5D40-BEB3-B9DD01C81E9A}"/>
+              </a:ext>
+            </a:extLst>
+          </p:cNvPr>
+          <p:cNvSpPr txBox="1"/>
+          <p:nvPr/>
+        </p:nvSpPr>
+        <p:spPr>
+          <a:xfrm>
+            <a:off x="2952313" y="3099872"/>
+            <a:ext cx="914400" cy="238848"/>
+          </a:xfrm>
+          <a:prstGeom prst="rect">
+            <a:avLst/>
+          </a:prstGeom>
+          <a:noFill/>
+        </p:spPr>
+        <p:txBody>
+          <a:bodyPr wrap="square" rtlCol="0">
+            <a:spAutoFit/>
+          </a:bodyPr>
+          <a:lstStyle/>
+          <a:p>
+            <a:r>
+              <a:rPr kumimoji="1" lang="zh-CN" altLang="en-US">
+                <a:solidFill>
+                  <a:schemeClr val="bg1"/>
+                </a:solidFill>
+              </a:rPr>
+              <a:t>策略包装</a:t>
+            </a:r>
+          </a:p>
+        </p:txBody>
+      </p:sp>
+      <p:cxnSp>
+        <p:nvCxnSpPr>
+          <p:cNvPr id="21" name="直线箭头连接符 20">
+            <a:extLst>
+              <a:ext uri="{FF2B5EF4-FFF2-40B4-BE49-F238E27FC236}">
+                <a16:creationId xmlns:a16="http://schemas.microsoft.com/office/drawing/2014/main" id="{834006C8-3836-2A4E-A930-ABEA6D016312}"/>
+              </a:ext>
+            </a:extLst>
+          </p:cNvPr>
+          <p:cNvCxnSpPr>
+            <a:cxnSpLocks/>
+            <a:stCxn id="17" idx="3"/>
+            <a:endCxn id="19" idx="1"/>
+          </p:cNvCxnSpPr>
+          <p:nvPr/>
+        </p:nvCxnSpPr>
+        <p:spPr>
+          <a:xfrm>
+            <a:off x="2709448" y="2430050"/>
+            <a:ext cx="242865" cy="0"/>
+          </a:xfrm>
+          <a:prstGeom prst="straightConnector1">
+            <a:avLst/>
+          </a:prstGeom>
+          <a:ln>
+            <a:solidFill>
+              <a:schemeClr val="bg1"/>
+            </a:solidFill>
+            <a:tailEnd type="triangle"/>
+          </a:ln>
+        </p:spPr>
+        <p:style>
+          <a:lnRef idx="1">
+            <a:schemeClr val="accent1"/>
+          </a:lnRef>
+          <a:fillRef idx="0">
+            <a:schemeClr val="accent1"/>
+          </a:fillRef>
+          <a:effectRef idx="0">
+            <a:schemeClr val="accent1"/>
+          </a:effectRef>
+          <a:fontRef idx="minor">
+            <a:schemeClr val="tx1"/>
+          </a:fontRef>
+        </p:style>
+      </p:cxnSp>
+      <p:cxnSp>
+        <p:nvCxnSpPr>
+          <p:cNvPr id="25" name="直线箭头连接符 24">
+            <a:extLst>
+              <a:ext uri="{FF2B5EF4-FFF2-40B4-BE49-F238E27FC236}">
+                <a16:creationId xmlns:a16="http://schemas.microsoft.com/office/drawing/2014/main" id="{597E4063-2C76-9649-807A-22CF489C5007}"/>
+              </a:ext>
+            </a:extLst>
+          </p:cNvPr>
+          <p:cNvCxnSpPr>
+            <a:cxnSpLocks/>
+            <a:endCxn id="20" idx="1"/>
+          </p:cNvCxnSpPr>
+          <p:nvPr/>
+        </p:nvCxnSpPr>
+        <p:spPr>
+          <a:xfrm>
+            <a:off x="2709448" y="3219296"/>
+            <a:ext cx="242865" cy="0"/>
+          </a:xfrm>
+          <a:prstGeom prst="straightConnector1">
+            <a:avLst/>
+          </a:prstGeom>
+          <a:ln>
+            <a:solidFill>
+              <a:schemeClr val="bg1"/>
+            </a:solidFill>
+            <a:tailEnd type="triangle"/>
+          </a:ln>
+        </p:spPr>
+        <p:style>
+          <a:lnRef idx="1">
+            <a:schemeClr val="accent1"/>
+          </a:lnRef>
+          <a:fillRef idx="0">
+            <a:schemeClr val="accent1"/>
+          </a:fillRef>
+          <a:effectRef idx="0">
+            <a:schemeClr val="accent1"/>
+          </a:effectRef>
+          <a:fontRef idx="minor">
+            <a:schemeClr val="tx1"/>
+          </a:fontRef>
+        </p:style>
+      </p:cxnSp>
     </p:spTree>
     <p:extLst>
       <p:ext uri="{BB962C8B-B14F-4D97-AF65-F5344CB8AC3E}">
-        <p14:creationId xmlns:p14="http://schemas.microsoft.com/office/powerpoint/2010/main" val="3501574137"/>
+        <p14:creationId xmlns:p14="http://schemas.microsoft.com/office/powerpoint/2010/main" val="3514599753"/>
       </p:ext>
     </p:extLst>
   </p:cSld>
@@ -7699,10 +9556,10 @@
       </p:grpSpPr>
       <p:sp>
         <p:nvSpPr>
-          <p:cNvPr id="3" name="上弧形箭头 2">
+          <p:cNvPr id="3" name="圆角矩形 2">
             <a:extLst>
               <a:ext uri="{FF2B5EF4-FFF2-40B4-BE49-F238E27FC236}">
-                <a16:creationId xmlns:a16="http://schemas.microsoft.com/office/drawing/2014/main" id="{6F33ABC3-4408-0544-83FB-BF757A495CF5}"/>
+                <a16:creationId xmlns:a16="http://schemas.microsoft.com/office/drawing/2014/main" id="{7FAE3C06-24E7-604F-A056-687FA71B9426}"/>
               </a:ext>
             </a:extLst>
           </p:cNvPr>
@@ -7710,19 +9567,18 @@
           <p:nvPr/>
         </p:nvSpPr>
         <p:spPr>
-          <a:xfrm rot="8482118" flipH="1">
-            <a:off x="2153976" y="1846254"/>
-            <a:ext cx="860781" cy="431256"/>
-          </a:xfrm>
-          <a:prstGeom prst="curvedUpArrow">
-            <a:avLst>
-              <a:gd name="adj1" fmla="val 5701"/>
-              <a:gd name="adj2" fmla="val 36851"/>
-              <a:gd name="adj3" fmla="val 61349"/>
-            </a:avLst>
+          <a:xfrm>
+            <a:off x="285319" y="1385351"/>
+            <a:ext cx="436574" cy="354072"/>
+          </a:xfrm>
+          <a:prstGeom prst="roundRect">
+            <a:avLst/>
           </a:prstGeom>
           <a:solidFill>
-            <a:srgbClr val="FF0000"/>
+            <a:schemeClr val="tx1">
+              <a:lumMod val="85000"/>
+              <a:lumOff val="15000"/>
+            </a:schemeClr>
           </a:solidFill>
           <a:ln>
             <a:noFill/>
@@ -7749,6 +9605,1263 @@
           <a:lstStyle/>
           <a:p>
             <a:pPr algn="ctr"/>
+            <a:r>
+              <a:rPr kumimoji="1" lang="en-US" altLang="zh-CN">
+                <a:solidFill>
+                  <a:schemeClr val="bg1"/>
+                </a:solidFill>
+              </a:rPr>
+              <a:t>0.2</a:t>
+            </a:r>
+            <a:endParaRPr kumimoji="1" lang="zh-CN" altLang="en-US">
+              <a:solidFill>
+                <a:schemeClr val="bg1"/>
+              </a:solidFill>
+            </a:endParaRPr>
+          </a:p>
+        </p:txBody>
+      </p:sp>
+      <p:sp>
+        <p:nvSpPr>
+          <p:cNvPr id="4" name="圆角矩形 3">
+            <a:extLst>
+              <a:ext uri="{FF2B5EF4-FFF2-40B4-BE49-F238E27FC236}">
+                <a16:creationId xmlns:a16="http://schemas.microsoft.com/office/drawing/2014/main" id="{584CF0E4-FF24-D04C-A43E-EDF90A943615}"/>
+              </a:ext>
+            </a:extLst>
+          </p:cNvPr>
+          <p:cNvSpPr/>
+          <p:nvPr/>
+        </p:nvSpPr>
+        <p:spPr>
+          <a:xfrm>
+            <a:off x="285319" y="2005300"/>
+            <a:ext cx="436574" cy="354072"/>
+          </a:xfrm>
+          <a:prstGeom prst="roundRect">
+            <a:avLst/>
+          </a:prstGeom>
+          <a:solidFill>
+            <a:schemeClr val="tx1">
+              <a:lumMod val="85000"/>
+              <a:lumOff val="15000"/>
+            </a:schemeClr>
+          </a:solidFill>
+          <a:ln>
+            <a:noFill/>
+          </a:ln>
+        </p:spPr>
+        <p:style>
+          <a:lnRef idx="2">
+            <a:schemeClr val="accent1">
+              <a:shade val="50000"/>
+            </a:schemeClr>
+          </a:lnRef>
+          <a:fillRef idx="1">
+            <a:schemeClr val="accent1"/>
+          </a:fillRef>
+          <a:effectRef idx="0">
+            <a:schemeClr val="accent1"/>
+          </a:effectRef>
+          <a:fontRef idx="minor">
+            <a:schemeClr val="lt1"/>
+          </a:fontRef>
+        </p:style>
+        <p:txBody>
+          <a:bodyPr rtlCol="0" anchor="ctr"/>
+          <a:lstStyle/>
+          <a:p>
+            <a:pPr algn="ctr"/>
+            <a:r>
+              <a:rPr kumimoji="1" lang="en-US" altLang="zh-CN">
+                <a:solidFill>
+                  <a:schemeClr val="bg1"/>
+                </a:solidFill>
+              </a:rPr>
+              <a:t>0.3</a:t>
+            </a:r>
+            <a:endParaRPr kumimoji="1" lang="zh-CN" altLang="en-US">
+              <a:solidFill>
+                <a:schemeClr val="bg1"/>
+              </a:solidFill>
+            </a:endParaRPr>
+          </a:p>
+        </p:txBody>
+      </p:sp>
+      <p:sp>
+        <p:nvSpPr>
+          <p:cNvPr id="9" name="圆角矩形 8">
+            <a:extLst>
+              <a:ext uri="{FF2B5EF4-FFF2-40B4-BE49-F238E27FC236}">
+                <a16:creationId xmlns:a16="http://schemas.microsoft.com/office/drawing/2014/main" id="{C8E68C23-6FC2-A04D-933D-AB0AE90A4114}"/>
+              </a:ext>
+            </a:extLst>
+          </p:cNvPr>
+          <p:cNvSpPr/>
+          <p:nvPr/>
+        </p:nvSpPr>
+        <p:spPr>
+          <a:xfrm>
+            <a:off x="285319" y="2840744"/>
+            <a:ext cx="436575" cy="354072"/>
+          </a:xfrm>
+          <a:prstGeom prst="roundRect">
+            <a:avLst/>
+          </a:prstGeom>
+          <a:solidFill>
+            <a:schemeClr val="tx1">
+              <a:lumMod val="85000"/>
+              <a:lumOff val="15000"/>
+            </a:schemeClr>
+          </a:solidFill>
+          <a:ln>
+            <a:noFill/>
+          </a:ln>
+        </p:spPr>
+        <p:style>
+          <a:lnRef idx="2">
+            <a:schemeClr val="accent1">
+              <a:shade val="50000"/>
+            </a:schemeClr>
+          </a:lnRef>
+          <a:fillRef idx="1">
+            <a:schemeClr val="accent1"/>
+          </a:fillRef>
+          <a:effectRef idx="0">
+            <a:schemeClr val="accent1"/>
+          </a:effectRef>
+          <a:fontRef idx="minor">
+            <a:schemeClr val="lt1"/>
+          </a:fontRef>
+        </p:style>
+        <p:txBody>
+          <a:bodyPr rtlCol="0" anchor="ctr"/>
+          <a:lstStyle/>
+          <a:p>
+            <a:pPr algn="ctr"/>
+            <a:r>
+              <a:rPr kumimoji="1" lang="en-US" altLang="zh-CN">
+                <a:solidFill>
+                  <a:schemeClr val="bg1"/>
+                </a:solidFill>
+              </a:rPr>
+              <a:t>0.5</a:t>
+            </a:r>
+            <a:endParaRPr kumimoji="1" lang="zh-CN" altLang="en-US">
+              <a:solidFill>
+                <a:schemeClr val="bg1"/>
+              </a:solidFill>
+            </a:endParaRPr>
+          </a:p>
+        </p:txBody>
+      </p:sp>
+      <p:cxnSp>
+        <p:nvCxnSpPr>
+          <p:cNvPr id="11" name="直线箭头连接符 10">
+            <a:extLst>
+              <a:ext uri="{FF2B5EF4-FFF2-40B4-BE49-F238E27FC236}">
+                <a16:creationId xmlns:a16="http://schemas.microsoft.com/office/drawing/2014/main" id="{3E86E620-34F9-C849-95E5-F2751E534A2C}"/>
+              </a:ext>
+            </a:extLst>
+          </p:cNvPr>
+          <p:cNvCxnSpPr>
+            <a:cxnSpLocks/>
+            <a:stCxn id="3" idx="2"/>
+            <a:endCxn id="4" idx="0"/>
+          </p:cNvCxnSpPr>
+          <p:nvPr/>
+        </p:nvCxnSpPr>
+        <p:spPr>
+          <a:xfrm>
+            <a:off x="503606" y="1739423"/>
+            <a:ext cx="0" cy="265877"/>
+          </a:xfrm>
+          <a:prstGeom prst="straightConnector1">
+            <a:avLst/>
+          </a:prstGeom>
+        </p:spPr>
+        <p:style>
+          <a:lnRef idx="1">
+            <a:schemeClr val="dk1"/>
+          </a:lnRef>
+          <a:fillRef idx="0">
+            <a:schemeClr val="dk1"/>
+          </a:fillRef>
+          <a:effectRef idx="0">
+            <a:schemeClr val="dk1"/>
+          </a:effectRef>
+          <a:fontRef idx="minor">
+            <a:schemeClr val="tx1"/>
+          </a:fontRef>
+        </p:style>
+      </p:cxnSp>
+      <p:cxnSp>
+        <p:nvCxnSpPr>
+          <p:cNvPr id="16" name="直线箭头连接符 15">
+            <a:extLst>
+              <a:ext uri="{FF2B5EF4-FFF2-40B4-BE49-F238E27FC236}">
+                <a16:creationId xmlns:a16="http://schemas.microsoft.com/office/drawing/2014/main" id="{A6F02C7A-1991-3C4C-8CD0-F50C4FB748B9}"/>
+              </a:ext>
+            </a:extLst>
+          </p:cNvPr>
+          <p:cNvCxnSpPr>
+            <a:cxnSpLocks/>
+            <a:stCxn id="4" idx="2"/>
+            <a:endCxn id="9" idx="0"/>
+          </p:cNvCxnSpPr>
+          <p:nvPr/>
+        </p:nvCxnSpPr>
+        <p:spPr>
+          <a:xfrm>
+            <a:off x="503606" y="2359372"/>
+            <a:ext cx="1" cy="481372"/>
+          </a:xfrm>
+          <a:prstGeom prst="straightConnector1">
+            <a:avLst/>
+          </a:prstGeom>
+        </p:spPr>
+        <p:style>
+          <a:lnRef idx="1">
+            <a:schemeClr val="dk1"/>
+          </a:lnRef>
+          <a:fillRef idx="0">
+            <a:schemeClr val="dk1"/>
+          </a:fillRef>
+          <a:effectRef idx="0">
+            <a:schemeClr val="dk1"/>
+          </a:effectRef>
+          <a:fontRef idx="minor">
+            <a:schemeClr val="tx1"/>
+          </a:fontRef>
+        </p:style>
+      </p:cxnSp>
+      <p:sp>
+        <p:nvSpPr>
+          <p:cNvPr id="23" name="圆角矩形 22">
+            <a:extLst>
+              <a:ext uri="{FF2B5EF4-FFF2-40B4-BE49-F238E27FC236}">
+                <a16:creationId xmlns:a16="http://schemas.microsoft.com/office/drawing/2014/main" id="{3BE8A39D-BBF9-AB48-877C-6CD27EBB95ED}"/>
+              </a:ext>
+            </a:extLst>
+          </p:cNvPr>
+          <p:cNvSpPr/>
+          <p:nvPr/>
+        </p:nvSpPr>
+        <p:spPr>
+          <a:xfrm>
+            <a:off x="285319" y="898341"/>
+            <a:ext cx="436574" cy="354072"/>
+          </a:xfrm>
+          <a:prstGeom prst="roundRect">
+            <a:avLst/>
+          </a:prstGeom>
+          <a:solidFill>
+            <a:schemeClr val="tx1">
+              <a:lumMod val="85000"/>
+              <a:lumOff val="15000"/>
+            </a:schemeClr>
+          </a:solidFill>
+          <a:ln>
+            <a:noFill/>
+          </a:ln>
+        </p:spPr>
+        <p:style>
+          <a:lnRef idx="2">
+            <a:schemeClr val="accent1">
+              <a:shade val="50000"/>
+            </a:schemeClr>
+          </a:lnRef>
+          <a:fillRef idx="1">
+            <a:schemeClr val="accent1"/>
+          </a:fillRef>
+          <a:effectRef idx="0">
+            <a:schemeClr val="accent1"/>
+          </a:effectRef>
+          <a:fontRef idx="minor">
+            <a:schemeClr val="lt1"/>
+          </a:fontRef>
+        </p:style>
+        <p:txBody>
+          <a:bodyPr rtlCol="0" anchor="ctr"/>
+          <a:lstStyle/>
+          <a:p>
+            <a:pPr algn="ctr"/>
+            <a:r>
+              <a:rPr kumimoji="1" lang="en-US" altLang="zh-CN">
+                <a:solidFill>
+                  <a:schemeClr val="bg1"/>
+                </a:solidFill>
+              </a:rPr>
+              <a:t>0</a:t>
+            </a:r>
+            <a:endParaRPr kumimoji="1" lang="zh-CN" altLang="en-US">
+              <a:solidFill>
+                <a:schemeClr val="bg1"/>
+              </a:solidFill>
+            </a:endParaRPr>
+          </a:p>
+        </p:txBody>
+      </p:sp>
+      <p:cxnSp>
+        <p:nvCxnSpPr>
+          <p:cNvPr id="24" name="直线箭头连接符 23">
+            <a:extLst>
+              <a:ext uri="{FF2B5EF4-FFF2-40B4-BE49-F238E27FC236}">
+                <a16:creationId xmlns:a16="http://schemas.microsoft.com/office/drawing/2014/main" id="{8A19A674-56E4-E543-8720-55F6DB2A3FE4}"/>
+              </a:ext>
+            </a:extLst>
+          </p:cNvPr>
+          <p:cNvCxnSpPr>
+            <a:cxnSpLocks/>
+            <a:stCxn id="23" idx="2"/>
+            <a:endCxn id="3" idx="0"/>
+          </p:cNvCxnSpPr>
+          <p:nvPr/>
+        </p:nvCxnSpPr>
+        <p:spPr>
+          <a:xfrm>
+            <a:off x="503606" y="1252413"/>
+            <a:ext cx="0" cy="132938"/>
+          </a:xfrm>
+          <a:prstGeom prst="straightConnector1">
+            <a:avLst/>
+          </a:prstGeom>
+        </p:spPr>
+        <p:style>
+          <a:lnRef idx="1">
+            <a:schemeClr val="dk1"/>
+          </a:lnRef>
+          <a:fillRef idx="0">
+            <a:schemeClr val="dk1"/>
+          </a:fillRef>
+          <a:effectRef idx="0">
+            <a:schemeClr val="dk1"/>
+          </a:effectRef>
+          <a:fontRef idx="minor">
+            <a:schemeClr val="tx1"/>
+          </a:fontRef>
+        </p:style>
+      </p:cxnSp>
+      <p:sp>
+        <p:nvSpPr>
+          <p:cNvPr id="28" name="圆角矩形 27">
+            <a:extLst>
+              <a:ext uri="{FF2B5EF4-FFF2-40B4-BE49-F238E27FC236}">
+                <a16:creationId xmlns:a16="http://schemas.microsoft.com/office/drawing/2014/main" id="{2B677204-8459-FD4E-8A73-3839C2DBF708}"/>
+              </a:ext>
+            </a:extLst>
+          </p:cNvPr>
+          <p:cNvSpPr/>
+          <p:nvPr/>
+        </p:nvSpPr>
+        <p:spPr>
+          <a:xfrm>
+            <a:off x="2190146" y="1385351"/>
+            <a:ext cx="436574" cy="354072"/>
+          </a:xfrm>
+          <a:prstGeom prst="roundRect">
+            <a:avLst/>
+          </a:prstGeom>
+          <a:solidFill>
+            <a:schemeClr val="tx1">
+              <a:lumMod val="75000"/>
+              <a:lumOff val="25000"/>
+            </a:schemeClr>
+          </a:solidFill>
+          <a:ln>
+            <a:noFill/>
+          </a:ln>
+        </p:spPr>
+        <p:style>
+          <a:lnRef idx="2">
+            <a:schemeClr val="accent1">
+              <a:shade val="50000"/>
+            </a:schemeClr>
+          </a:lnRef>
+          <a:fillRef idx="1">
+            <a:schemeClr val="accent1"/>
+          </a:fillRef>
+          <a:effectRef idx="0">
+            <a:schemeClr val="accent1"/>
+          </a:effectRef>
+          <a:fontRef idx="minor">
+            <a:schemeClr val="lt1"/>
+          </a:fontRef>
+        </p:style>
+        <p:txBody>
+          <a:bodyPr rtlCol="0" anchor="ctr"/>
+          <a:lstStyle/>
+          <a:p>
+            <a:pPr algn="ctr"/>
+            <a:r>
+              <a:rPr kumimoji="1" lang="en-US" altLang="zh-CN">
+                <a:solidFill>
+                  <a:schemeClr val="bg1"/>
+                </a:solidFill>
+              </a:rPr>
+              <a:t>0.2</a:t>
+            </a:r>
+            <a:endParaRPr kumimoji="1" lang="zh-CN" altLang="en-US">
+              <a:solidFill>
+                <a:schemeClr val="bg1"/>
+              </a:solidFill>
+            </a:endParaRPr>
+          </a:p>
+        </p:txBody>
+      </p:sp>
+      <p:sp>
+        <p:nvSpPr>
+          <p:cNvPr id="29" name="圆角矩形 28">
+            <a:extLst>
+              <a:ext uri="{FF2B5EF4-FFF2-40B4-BE49-F238E27FC236}">
+                <a16:creationId xmlns:a16="http://schemas.microsoft.com/office/drawing/2014/main" id="{F0176A42-A62D-BF45-9C46-8966A3D14176}"/>
+              </a:ext>
+            </a:extLst>
+          </p:cNvPr>
+          <p:cNvSpPr/>
+          <p:nvPr/>
+        </p:nvSpPr>
+        <p:spPr>
+          <a:xfrm>
+            <a:off x="2190146" y="2005300"/>
+            <a:ext cx="436574" cy="354072"/>
+          </a:xfrm>
+          <a:prstGeom prst="roundRect">
+            <a:avLst/>
+          </a:prstGeom>
+          <a:solidFill>
+            <a:schemeClr val="tx1">
+              <a:lumMod val="85000"/>
+              <a:lumOff val="15000"/>
+            </a:schemeClr>
+          </a:solidFill>
+          <a:ln>
+            <a:noFill/>
+          </a:ln>
+        </p:spPr>
+        <p:style>
+          <a:lnRef idx="2">
+            <a:schemeClr val="accent1">
+              <a:shade val="50000"/>
+            </a:schemeClr>
+          </a:lnRef>
+          <a:fillRef idx="1">
+            <a:schemeClr val="accent1"/>
+          </a:fillRef>
+          <a:effectRef idx="0">
+            <a:schemeClr val="accent1"/>
+          </a:effectRef>
+          <a:fontRef idx="minor">
+            <a:schemeClr val="lt1"/>
+          </a:fontRef>
+        </p:style>
+        <p:txBody>
+          <a:bodyPr rtlCol="0" anchor="ctr"/>
+          <a:lstStyle/>
+          <a:p>
+            <a:pPr algn="ctr"/>
+            <a:r>
+              <a:rPr kumimoji="1" lang="en-US" altLang="zh-CN">
+                <a:solidFill>
+                  <a:schemeClr val="bg1"/>
+                </a:solidFill>
+              </a:rPr>
+              <a:t>0.5</a:t>
+            </a:r>
+            <a:endParaRPr kumimoji="1" lang="zh-CN" altLang="en-US">
+              <a:solidFill>
+                <a:schemeClr val="bg1"/>
+              </a:solidFill>
+            </a:endParaRPr>
+          </a:p>
+        </p:txBody>
+      </p:sp>
+      <p:sp>
+        <p:nvSpPr>
+          <p:cNvPr id="30" name="圆角矩形 29">
+            <a:extLst>
+              <a:ext uri="{FF2B5EF4-FFF2-40B4-BE49-F238E27FC236}">
+                <a16:creationId xmlns:a16="http://schemas.microsoft.com/office/drawing/2014/main" id="{C3BE10F6-83D4-3F4B-964A-DA17733F6209}"/>
+              </a:ext>
+            </a:extLst>
+          </p:cNvPr>
+          <p:cNvSpPr/>
+          <p:nvPr/>
+        </p:nvSpPr>
+        <p:spPr>
+          <a:xfrm>
+            <a:off x="2190146" y="2840744"/>
+            <a:ext cx="436575" cy="354072"/>
+          </a:xfrm>
+          <a:prstGeom prst="roundRect">
+            <a:avLst/>
+          </a:prstGeom>
+          <a:solidFill>
+            <a:schemeClr val="tx1">
+              <a:lumMod val="95000"/>
+              <a:lumOff val="5000"/>
+            </a:schemeClr>
+          </a:solidFill>
+          <a:ln>
+            <a:noFill/>
+          </a:ln>
+        </p:spPr>
+        <p:style>
+          <a:lnRef idx="2">
+            <a:schemeClr val="accent1">
+              <a:shade val="50000"/>
+            </a:schemeClr>
+          </a:lnRef>
+          <a:fillRef idx="1">
+            <a:schemeClr val="accent1"/>
+          </a:fillRef>
+          <a:effectRef idx="0">
+            <a:schemeClr val="accent1"/>
+          </a:effectRef>
+          <a:fontRef idx="minor">
+            <a:schemeClr val="lt1"/>
+          </a:fontRef>
+        </p:style>
+        <p:txBody>
+          <a:bodyPr rtlCol="0" anchor="ctr"/>
+          <a:lstStyle/>
+          <a:p>
+            <a:pPr algn="ctr"/>
+            <a:r>
+              <a:rPr kumimoji="1" lang="en-US" altLang="zh-CN">
+                <a:solidFill>
+                  <a:schemeClr val="bg1"/>
+                </a:solidFill>
+              </a:rPr>
+              <a:t>1.0</a:t>
+            </a:r>
+            <a:endParaRPr kumimoji="1" lang="zh-CN" altLang="en-US">
+              <a:solidFill>
+                <a:schemeClr val="bg1"/>
+              </a:solidFill>
+            </a:endParaRPr>
+          </a:p>
+        </p:txBody>
+      </p:sp>
+      <p:cxnSp>
+        <p:nvCxnSpPr>
+          <p:cNvPr id="31" name="直线箭头连接符 30">
+            <a:extLst>
+              <a:ext uri="{FF2B5EF4-FFF2-40B4-BE49-F238E27FC236}">
+                <a16:creationId xmlns:a16="http://schemas.microsoft.com/office/drawing/2014/main" id="{3B2FC722-7C8D-F943-81F2-986F343C4C89}"/>
+              </a:ext>
+            </a:extLst>
+          </p:cNvPr>
+          <p:cNvCxnSpPr>
+            <a:cxnSpLocks/>
+            <a:stCxn id="28" idx="2"/>
+            <a:endCxn id="29" idx="0"/>
+          </p:cNvCxnSpPr>
+          <p:nvPr/>
+        </p:nvCxnSpPr>
+        <p:spPr>
+          <a:xfrm>
+            <a:off x="2408433" y="1739423"/>
+            <a:ext cx="0" cy="265877"/>
+          </a:xfrm>
+          <a:prstGeom prst="straightConnector1">
+            <a:avLst/>
+          </a:prstGeom>
+        </p:spPr>
+        <p:style>
+          <a:lnRef idx="1">
+            <a:schemeClr val="dk1"/>
+          </a:lnRef>
+          <a:fillRef idx="0">
+            <a:schemeClr val="dk1"/>
+          </a:fillRef>
+          <a:effectRef idx="0">
+            <a:schemeClr val="dk1"/>
+          </a:effectRef>
+          <a:fontRef idx="minor">
+            <a:schemeClr val="tx1"/>
+          </a:fontRef>
+        </p:style>
+      </p:cxnSp>
+      <p:cxnSp>
+        <p:nvCxnSpPr>
+          <p:cNvPr id="32" name="直线箭头连接符 31">
+            <a:extLst>
+              <a:ext uri="{FF2B5EF4-FFF2-40B4-BE49-F238E27FC236}">
+                <a16:creationId xmlns:a16="http://schemas.microsoft.com/office/drawing/2014/main" id="{3A8A8C51-8101-274D-A10B-0BA9E0DBBE7B}"/>
+              </a:ext>
+            </a:extLst>
+          </p:cNvPr>
+          <p:cNvCxnSpPr>
+            <a:cxnSpLocks/>
+            <a:stCxn id="29" idx="2"/>
+            <a:endCxn id="30" idx="0"/>
+          </p:cNvCxnSpPr>
+          <p:nvPr/>
+        </p:nvCxnSpPr>
+        <p:spPr>
+          <a:xfrm>
+            <a:off x="2408433" y="2359372"/>
+            <a:ext cx="1" cy="481372"/>
+          </a:xfrm>
+          <a:prstGeom prst="straightConnector1">
+            <a:avLst/>
+          </a:prstGeom>
+        </p:spPr>
+        <p:style>
+          <a:lnRef idx="1">
+            <a:schemeClr val="dk1"/>
+          </a:lnRef>
+          <a:fillRef idx="0">
+            <a:schemeClr val="dk1"/>
+          </a:fillRef>
+          <a:effectRef idx="0">
+            <a:schemeClr val="dk1"/>
+          </a:effectRef>
+          <a:fontRef idx="minor">
+            <a:schemeClr val="tx1"/>
+          </a:fontRef>
+        </p:style>
+      </p:cxnSp>
+      <p:sp>
+        <p:nvSpPr>
+          <p:cNvPr id="33" name="圆角矩形 32">
+            <a:extLst>
+              <a:ext uri="{FF2B5EF4-FFF2-40B4-BE49-F238E27FC236}">
+                <a16:creationId xmlns:a16="http://schemas.microsoft.com/office/drawing/2014/main" id="{EFF18C08-CB5C-4B40-A131-EDE70F22530A}"/>
+              </a:ext>
+            </a:extLst>
+          </p:cNvPr>
+          <p:cNvSpPr/>
+          <p:nvPr/>
+        </p:nvSpPr>
+        <p:spPr>
+          <a:xfrm>
+            <a:off x="2190146" y="898341"/>
+            <a:ext cx="436574" cy="354072"/>
+          </a:xfrm>
+          <a:prstGeom prst="roundRect">
+            <a:avLst/>
+          </a:prstGeom>
+          <a:solidFill>
+            <a:schemeClr val="tx1">
+              <a:lumMod val="65000"/>
+              <a:lumOff val="35000"/>
+            </a:schemeClr>
+          </a:solidFill>
+          <a:ln>
+            <a:noFill/>
+          </a:ln>
+        </p:spPr>
+        <p:style>
+          <a:lnRef idx="2">
+            <a:schemeClr val="accent1">
+              <a:shade val="50000"/>
+            </a:schemeClr>
+          </a:lnRef>
+          <a:fillRef idx="1">
+            <a:schemeClr val="accent1"/>
+          </a:fillRef>
+          <a:effectRef idx="0">
+            <a:schemeClr val="accent1"/>
+          </a:effectRef>
+          <a:fontRef idx="minor">
+            <a:schemeClr val="lt1"/>
+          </a:fontRef>
+        </p:style>
+        <p:txBody>
+          <a:bodyPr rtlCol="0" anchor="ctr"/>
+          <a:lstStyle/>
+          <a:p>
+            <a:pPr algn="ctr"/>
+            <a:r>
+              <a:rPr kumimoji="1" lang="en-US" altLang="zh-CN">
+                <a:solidFill>
+                  <a:schemeClr val="bg1"/>
+                </a:solidFill>
+              </a:rPr>
+              <a:t>0</a:t>
+            </a:r>
+            <a:endParaRPr kumimoji="1" lang="zh-CN" altLang="en-US">
+              <a:solidFill>
+                <a:schemeClr val="bg1"/>
+              </a:solidFill>
+            </a:endParaRPr>
+          </a:p>
+        </p:txBody>
+      </p:sp>
+      <p:cxnSp>
+        <p:nvCxnSpPr>
+          <p:cNvPr id="34" name="直线箭头连接符 33">
+            <a:extLst>
+              <a:ext uri="{FF2B5EF4-FFF2-40B4-BE49-F238E27FC236}">
+                <a16:creationId xmlns:a16="http://schemas.microsoft.com/office/drawing/2014/main" id="{6D3D9E1B-1823-FA4F-B65F-BDE62969F4CB}"/>
+              </a:ext>
+            </a:extLst>
+          </p:cNvPr>
+          <p:cNvCxnSpPr>
+            <a:cxnSpLocks/>
+            <a:stCxn id="33" idx="2"/>
+            <a:endCxn id="28" idx="0"/>
+          </p:cNvCxnSpPr>
+          <p:nvPr/>
+        </p:nvCxnSpPr>
+        <p:spPr>
+          <a:xfrm>
+            <a:off x="2408433" y="1252413"/>
+            <a:ext cx="0" cy="132938"/>
+          </a:xfrm>
+          <a:prstGeom prst="straightConnector1">
+            <a:avLst/>
+          </a:prstGeom>
+        </p:spPr>
+        <p:style>
+          <a:lnRef idx="1">
+            <a:schemeClr val="dk1"/>
+          </a:lnRef>
+          <a:fillRef idx="0">
+            <a:schemeClr val="dk1"/>
+          </a:fillRef>
+          <a:effectRef idx="0">
+            <a:schemeClr val="dk1"/>
+          </a:effectRef>
+          <a:fontRef idx="minor">
+            <a:schemeClr val="tx1"/>
+          </a:fontRef>
+        </p:style>
+      </p:cxnSp>
+      <p:cxnSp>
+        <p:nvCxnSpPr>
+          <p:cNvPr id="36" name="曲线连接符 35">
+            <a:extLst>
+              <a:ext uri="{FF2B5EF4-FFF2-40B4-BE49-F238E27FC236}">
+                <a16:creationId xmlns:a16="http://schemas.microsoft.com/office/drawing/2014/main" id="{354BE8D4-40F4-B34A-B038-C7AD41083581}"/>
+              </a:ext>
+            </a:extLst>
+          </p:cNvPr>
+          <p:cNvCxnSpPr>
+            <a:cxnSpLocks/>
+            <a:stCxn id="3" idx="3"/>
+            <a:endCxn id="29" idx="1"/>
+          </p:cNvCxnSpPr>
+          <p:nvPr/>
+        </p:nvCxnSpPr>
+        <p:spPr>
+          <a:xfrm>
+            <a:off x="721893" y="1562387"/>
+            <a:ext cx="1468253" cy="619949"/>
+          </a:xfrm>
+          <a:prstGeom prst="curvedConnector3">
+            <a:avLst/>
+          </a:prstGeom>
+          <a:ln>
+            <a:prstDash val="dash"/>
+            <a:tailEnd type="triangle"/>
+          </a:ln>
+        </p:spPr>
+        <p:style>
+          <a:lnRef idx="1">
+            <a:schemeClr val="dk1"/>
+          </a:lnRef>
+          <a:fillRef idx="0">
+            <a:schemeClr val="dk1"/>
+          </a:fillRef>
+          <a:effectRef idx="0">
+            <a:schemeClr val="dk1"/>
+          </a:effectRef>
+          <a:fontRef idx="minor">
+            <a:schemeClr val="tx1"/>
+          </a:fontRef>
+        </p:style>
+      </p:cxnSp>
+      <p:cxnSp>
+        <p:nvCxnSpPr>
+          <p:cNvPr id="42" name="直线箭头连接符 41">
+            <a:extLst>
+              <a:ext uri="{FF2B5EF4-FFF2-40B4-BE49-F238E27FC236}">
+                <a16:creationId xmlns:a16="http://schemas.microsoft.com/office/drawing/2014/main" id="{5A6F1757-59AB-D94B-8153-5B45DC4031A0}"/>
+              </a:ext>
+            </a:extLst>
+          </p:cNvPr>
+          <p:cNvCxnSpPr>
+            <a:cxnSpLocks/>
+            <a:stCxn id="4" idx="3"/>
+            <a:endCxn id="29" idx="1"/>
+          </p:cNvCxnSpPr>
+          <p:nvPr/>
+        </p:nvCxnSpPr>
+        <p:spPr>
+          <a:xfrm>
+            <a:off x="721893" y="2182336"/>
+            <a:ext cx="1468253" cy="0"/>
+          </a:xfrm>
+          <a:prstGeom prst="straightConnector1">
+            <a:avLst/>
+          </a:prstGeom>
+          <a:ln>
+            <a:prstDash val="dash"/>
+            <a:tailEnd type="triangle"/>
+          </a:ln>
+        </p:spPr>
+        <p:style>
+          <a:lnRef idx="1">
+            <a:schemeClr val="dk1"/>
+          </a:lnRef>
+          <a:fillRef idx="0">
+            <a:schemeClr val="dk1"/>
+          </a:fillRef>
+          <a:effectRef idx="0">
+            <a:schemeClr val="dk1"/>
+          </a:effectRef>
+          <a:fontRef idx="minor">
+            <a:schemeClr val="tx1"/>
+          </a:fontRef>
+        </p:style>
+      </p:cxnSp>
+      <p:cxnSp>
+        <p:nvCxnSpPr>
+          <p:cNvPr id="46" name="直线箭头连接符 45">
+            <a:extLst>
+              <a:ext uri="{FF2B5EF4-FFF2-40B4-BE49-F238E27FC236}">
+                <a16:creationId xmlns:a16="http://schemas.microsoft.com/office/drawing/2014/main" id="{E397FB47-4EC2-084B-B6CF-3C1867694E5A}"/>
+              </a:ext>
+            </a:extLst>
+          </p:cNvPr>
+          <p:cNvCxnSpPr>
+            <a:cxnSpLocks/>
+            <a:stCxn id="9" idx="3"/>
+            <a:endCxn id="30" idx="1"/>
+          </p:cNvCxnSpPr>
+          <p:nvPr/>
+        </p:nvCxnSpPr>
+        <p:spPr>
+          <a:xfrm>
+            <a:off x="721894" y="3017780"/>
+            <a:ext cx="1468252" cy="0"/>
+          </a:xfrm>
+          <a:prstGeom prst="straightConnector1">
+            <a:avLst/>
+          </a:prstGeom>
+          <a:ln>
+            <a:prstDash val="lgDash"/>
+            <a:tailEnd type="triangle"/>
+          </a:ln>
+        </p:spPr>
+        <p:style>
+          <a:lnRef idx="1">
+            <a:schemeClr val="accent1"/>
+          </a:lnRef>
+          <a:fillRef idx="0">
+            <a:schemeClr val="accent1"/>
+          </a:fillRef>
+          <a:effectRef idx="0">
+            <a:schemeClr val="accent1"/>
+          </a:effectRef>
+          <a:fontRef idx="minor">
+            <a:schemeClr val="tx1"/>
+          </a:fontRef>
+        </p:style>
+      </p:cxnSp>
+      <p:cxnSp>
+        <p:nvCxnSpPr>
+          <p:cNvPr id="50" name="曲线连接符 49">
+            <a:extLst>
+              <a:ext uri="{FF2B5EF4-FFF2-40B4-BE49-F238E27FC236}">
+                <a16:creationId xmlns:a16="http://schemas.microsoft.com/office/drawing/2014/main" id="{D2C51174-8A6D-0C49-84E1-F2F3F74F7A42}"/>
+              </a:ext>
+            </a:extLst>
+          </p:cNvPr>
+          <p:cNvCxnSpPr>
+            <a:cxnSpLocks/>
+            <a:stCxn id="4" idx="3"/>
+            <a:endCxn id="30" idx="1"/>
+          </p:cNvCxnSpPr>
+          <p:nvPr/>
+        </p:nvCxnSpPr>
+        <p:spPr>
+          <a:xfrm>
+            <a:off x="721893" y="2182336"/>
+            <a:ext cx="1468253" cy="835444"/>
+          </a:xfrm>
+          <a:prstGeom prst="curvedConnector3">
+            <a:avLst>
+              <a:gd name="adj1" fmla="val 43913"/>
+            </a:avLst>
+          </a:prstGeom>
+          <a:ln>
+            <a:prstDash val="lgDash"/>
+            <a:tailEnd type="triangle"/>
+          </a:ln>
+        </p:spPr>
+        <p:style>
+          <a:lnRef idx="1">
+            <a:schemeClr val="accent1"/>
+          </a:lnRef>
+          <a:fillRef idx="0">
+            <a:schemeClr val="accent1"/>
+          </a:fillRef>
+          <a:effectRef idx="0">
+            <a:schemeClr val="accent1"/>
+          </a:effectRef>
+          <a:fontRef idx="minor">
+            <a:schemeClr val="tx1"/>
+          </a:fontRef>
+        </p:style>
+      </p:cxnSp>
+      <p:cxnSp>
+        <p:nvCxnSpPr>
+          <p:cNvPr id="53" name="曲线连接符 52">
+            <a:extLst>
+              <a:ext uri="{FF2B5EF4-FFF2-40B4-BE49-F238E27FC236}">
+                <a16:creationId xmlns:a16="http://schemas.microsoft.com/office/drawing/2014/main" id="{F8F35B96-C28A-0F4E-AEB8-2411C5251ACB}"/>
+              </a:ext>
+            </a:extLst>
+          </p:cNvPr>
+          <p:cNvCxnSpPr>
+            <a:cxnSpLocks/>
+            <a:stCxn id="3" idx="3"/>
+            <a:endCxn id="30" idx="1"/>
+          </p:cNvCxnSpPr>
+          <p:nvPr/>
+        </p:nvCxnSpPr>
+        <p:spPr>
+          <a:xfrm>
+            <a:off x="721893" y="1562387"/>
+            <a:ext cx="1468253" cy="1455393"/>
+          </a:xfrm>
+          <a:prstGeom prst="curvedConnector3">
+            <a:avLst>
+              <a:gd name="adj1" fmla="val 27524"/>
+            </a:avLst>
+          </a:prstGeom>
+          <a:ln>
+            <a:prstDash val="lgDash"/>
+            <a:tailEnd type="triangle"/>
+          </a:ln>
+        </p:spPr>
+        <p:style>
+          <a:lnRef idx="1">
+            <a:schemeClr val="accent1"/>
+          </a:lnRef>
+          <a:fillRef idx="0">
+            <a:schemeClr val="accent1"/>
+          </a:fillRef>
+          <a:effectRef idx="0">
+            <a:schemeClr val="accent1"/>
+          </a:effectRef>
+          <a:fontRef idx="minor">
+            <a:schemeClr val="tx1"/>
+          </a:fontRef>
+        </p:style>
+      </p:cxnSp>
+      <p:sp>
+        <p:nvSpPr>
+          <p:cNvPr id="61" name="文本框 60">
+            <a:extLst>
+              <a:ext uri="{FF2B5EF4-FFF2-40B4-BE49-F238E27FC236}">
+                <a16:creationId xmlns:a16="http://schemas.microsoft.com/office/drawing/2014/main" id="{65D92199-E166-DE4C-A570-C1B042213C45}"/>
+              </a:ext>
+            </a:extLst>
+          </p:cNvPr>
+          <p:cNvSpPr txBox="1"/>
+          <p:nvPr/>
+        </p:nvSpPr>
+        <p:spPr>
+          <a:xfrm>
+            <a:off x="1255121" y="2170659"/>
+            <a:ext cx="914400" cy="238848"/>
+          </a:xfrm>
+          <a:prstGeom prst="rect">
+            <a:avLst/>
+          </a:prstGeom>
+          <a:noFill/>
+        </p:spPr>
+        <p:txBody>
+          <a:bodyPr wrap="square" rtlCol="0">
+            <a:spAutoFit/>
+          </a:bodyPr>
+          <a:lstStyle/>
+          <a:p>
+            <a:r>
+              <a:rPr kumimoji="1" lang="en-US" altLang="zh-CN"/>
+              <a:t>∑</a:t>
+            </a:r>
+            <a:r>
+              <a:rPr kumimoji="1" lang="zh-CN" altLang="en-US"/>
+              <a:t> </a:t>
+            </a:r>
+            <a:r>
+              <a:rPr kumimoji="1" lang="en-US" altLang="zh-CN"/>
+              <a:t>=</a:t>
+            </a:r>
+            <a:r>
+              <a:rPr kumimoji="1" lang="zh-CN" altLang="en-US"/>
+              <a:t> </a:t>
+            </a:r>
+            <a:r>
+              <a:rPr kumimoji="1" lang="en-US" altLang="zh-CN"/>
+              <a:t>0.2</a:t>
+            </a:r>
+            <a:r>
+              <a:rPr kumimoji="1" lang="zh-CN" altLang="en-US"/>
+              <a:t> </a:t>
+            </a:r>
+            <a:r>
+              <a:rPr kumimoji="1" lang="en-US" altLang="zh-CN"/>
+              <a:t>+</a:t>
+            </a:r>
+            <a:r>
+              <a:rPr kumimoji="1" lang="zh-CN" altLang="en-US"/>
+              <a:t> </a:t>
+            </a:r>
+            <a:r>
+              <a:rPr kumimoji="1" lang="en-US" altLang="zh-CN"/>
+              <a:t>0.3</a:t>
+            </a:r>
+            <a:endParaRPr kumimoji="1" lang="zh-CN" altLang="en-US"/>
+          </a:p>
+        </p:txBody>
+      </p:sp>
+      <p:sp>
+        <p:nvSpPr>
+          <p:cNvPr id="62" name="文本框 61">
+            <a:extLst>
+              <a:ext uri="{FF2B5EF4-FFF2-40B4-BE49-F238E27FC236}">
+                <a16:creationId xmlns:a16="http://schemas.microsoft.com/office/drawing/2014/main" id="{766917B6-B227-AB44-B47F-E604EC739A3C}"/>
+              </a:ext>
+            </a:extLst>
+          </p:cNvPr>
+          <p:cNvSpPr txBox="1"/>
+          <p:nvPr/>
+        </p:nvSpPr>
+        <p:spPr>
+          <a:xfrm>
+            <a:off x="853668" y="3041889"/>
+            <a:ext cx="1387642" cy="238848"/>
+          </a:xfrm>
+          <a:prstGeom prst="rect">
+            <a:avLst/>
+          </a:prstGeom>
+          <a:noFill/>
+        </p:spPr>
+        <p:txBody>
+          <a:bodyPr wrap="square" rtlCol="0">
+            <a:spAutoFit/>
+          </a:bodyPr>
+          <a:lstStyle/>
+          <a:p>
+            <a:r>
+              <a:rPr kumimoji="1" lang="en-US" altLang="zh-CN"/>
+              <a:t>∑</a:t>
+            </a:r>
+            <a:r>
+              <a:rPr kumimoji="1" lang="zh-CN" altLang="en-US"/>
+              <a:t> </a:t>
+            </a:r>
+            <a:r>
+              <a:rPr kumimoji="1" lang="en-US" altLang="zh-CN"/>
+              <a:t>=</a:t>
+            </a:r>
+            <a:r>
+              <a:rPr kumimoji="1" lang="zh-CN" altLang="en-US"/>
+              <a:t> </a:t>
+            </a:r>
+            <a:r>
+              <a:rPr kumimoji="1" lang="en-US" altLang="zh-CN"/>
+              <a:t>0.2</a:t>
+            </a:r>
+            <a:r>
+              <a:rPr kumimoji="1" lang="zh-CN" altLang="en-US"/>
+              <a:t> </a:t>
+            </a:r>
+            <a:r>
+              <a:rPr kumimoji="1" lang="en-US" altLang="zh-CN"/>
+              <a:t>+</a:t>
+            </a:r>
+            <a:r>
+              <a:rPr kumimoji="1" lang="zh-CN" altLang="en-US"/>
+              <a:t> </a:t>
+            </a:r>
+            <a:r>
+              <a:rPr kumimoji="1" lang="en-US" altLang="zh-CN"/>
+              <a:t>0.3</a:t>
+            </a:r>
+            <a:r>
+              <a:rPr kumimoji="1" lang="zh-CN" altLang="en-US"/>
+              <a:t> </a:t>
+            </a:r>
+            <a:r>
+              <a:rPr kumimoji="1" lang="en-US" altLang="zh-CN"/>
+              <a:t>+</a:t>
+            </a:r>
+            <a:r>
+              <a:rPr kumimoji="1" lang="zh-CN" altLang="en-US"/>
+              <a:t> </a:t>
+            </a:r>
+            <a:r>
+              <a:rPr kumimoji="1" lang="en-US" altLang="zh-CN"/>
+              <a:t>0.5</a:t>
+            </a:r>
+            <a:endParaRPr kumimoji="1" lang="zh-CN" altLang="en-US"/>
+          </a:p>
+        </p:txBody>
+      </p:sp>
+      <p:sp>
+        <p:nvSpPr>
+          <p:cNvPr id="71" name="圆角矩形 70">
+            <a:extLst>
+              <a:ext uri="{FF2B5EF4-FFF2-40B4-BE49-F238E27FC236}">
+                <a16:creationId xmlns:a16="http://schemas.microsoft.com/office/drawing/2014/main" id="{AFF41015-3B05-D642-8B83-99093A7E6927}"/>
+              </a:ext>
+            </a:extLst>
+          </p:cNvPr>
+          <p:cNvSpPr/>
+          <p:nvPr/>
+        </p:nvSpPr>
+        <p:spPr>
+          <a:xfrm>
+            <a:off x="2988814" y="445725"/>
+            <a:ext cx="436574" cy="354072"/>
+          </a:xfrm>
+          <a:prstGeom prst="roundRect">
+            <a:avLst/>
+          </a:prstGeom>
+          <a:solidFill>
+            <a:srgbClr val="C00000"/>
+          </a:solidFill>
+          <a:ln>
+            <a:noFill/>
+          </a:ln>
+        </p:spPr>
+        <p:style>
+          <a:lnRef idx="2">
+            <a:schemeClr val="accent1">
+              <a:shade val="50000"/>
+            </a:schemeClr>
+          </a:lnRef>
+          <a:fillRef idx="1">
+            <a:schemeClr val="accent1"/>
+          </a:fillRef>
+          <a:effectRef idx="0">
+            <a:schemeClr val="accent1"/>
+          </a:effectRef>
+          <a:fontRef idx="minor">
+            <a:schemeClr val="lt1"/>
+          </a:fontRef>
+        </p:style>
+        <p:txBody>
+          <a:bodyPr rtlCol="0" anchor="ctr"/>
+          <a:lstStyle/>
+          <a:p>
+            <a:pPr algn="ctr"/>
+            <a:r>
+              <a:rPr kumimoji="1" lang="en-US" altLang="zh-CN">
+                <a:solidFill>
+                  <a:schemeClr val="bg1"/>
+                </a:solidFill>
+              </a:rPr>
+              <a:t>0.7</a:t>
+            </a:r>
+            <a:endParaRPr kumimoji="1" lang="zh-CN" altLang="en-US">
+              <a:solidFill>
+                <a:schemeClr val="bg1"/>
+              </a:solidFill>
+            </a:endParaRPr>
+          </a:p>
+        </p:txBody>
+      </p:sp>
+      <p:cxnSp>
+        <p:nvCxnSpPr>
+          <p:cNvPr id="80" name="曲线连接符 79">
+            <a:extLst>
+              <a:ext uri="{FF2B5EF4-FFF2-40B4-BE49-F238E27FC236}">
+                <a16:creationId xmlns:a16="http://schemas.microsoft.com/office/drawing/2014/main" id="{F885D625-B643-AD4E-BA74-4AA05B2D617E}"/>
+              </a:ext>
+            </a:extLst>
+          </p:cNvPr>
+          <p:cNvCxnSpPr>
+            <a:cxnSpLocks/>
+            <a:stCxn id="71" idx="2"/>
+            <a:endCxn id="83" idx="6"/>
+          </p:cNvCxnSpPr>
+          <p:nvPr/>
+        </p:nvCxnSpPr>
+        <p:spPr>
+          <a:xfrm rot="5400000">
+            <a:off x="1939985" y="1265495"/>
+            <a:ext cx="1732814" cy="801419"/>
+          </a:xfrm>
+          <a:prstGeom prst="curvedConnector2">
+            <a:avLst/>
+          </a:prstGeom>
+          <a:ln>
+            <a:solidFill>
+              <a:srgbClr val="C00000"/>
+            </a:solidFill>
+            <a:tailEnd type="triangle"/>
+          </a:ln>
+        </p:spPr>
+        <p:style>
+          <a:lnRef idx="1">
+            <a:schemeClr val="accent1"/>
+          </a:lnRef>
+          <a:fillRef idx="0">
+            <a:schemeClr val="accent1"/>
+          </a:fillRef>
+          <a:effectRef idx="0">
+            <a:schemeClr val="accent1"/>
+          </a:effectRef>
+          <a:fontRef idx="minor">
+            <a:schemeClr val="tx1"/>
+          </a:fontRef>
+        </p:style>
+      </p:cxnSp>
+      <p:sp>
+        <p:nvSpPr>
+          <p:cNvPr id="83" name="椭圆 82">
+            <a:extLst>
+              <a:ext uri="{FF2B5EF4-FFF2-40B4-BE49-F238E27FC236}">
+                <a16:creationId xmlns:a16="http://schemas.microsoft.com/office/drawing/2014/main" id="{45340A8B-BDD4-D449-AAF6-00C361DF9BC0}"/>
+              </a:ext>
+            </a:extLst>
+          </p:cNvPr>
+          <p:cNvSpPr/>
+          <p:nvPr/>
+        </p:nvSpPr>
+        <p:spPr>
+          <a:xfrm>
+            <a:off x="2180520" y="2420030"/>
+            <a:ext cx="225162" cy="225162"/>
+          </a:xfrm>
+          <a:prstGeom prst="ellipse">
+            <a:avLst/>
+          </a:prstGeom>
+          <a:noFill/>
+          <a:ln>
+            <a:noFill/>
+          </a:ln>
+        </p:spPr>
+        <p:style>
+          <a:lnRef idx="2">
+            <a:schemeClr val="accent1">
+              <a:shade val="50000"/>
+            </a:schemeClr>
+          </a:lnRef>
+          <a:fillRef idx="1">
+            <a:schemeClr val="accent1"/>
+          </a:fillRef>
+          <a:effectRef idx="0">
+            <a:schemeClr val="accent1"/>
+          </a:effectRef>
+          <a:fontRef idx="minor">
+            <a:schemeClr val="lt1"/>
+          </a:fontRef>
+        </p:style>
+        <p:txBody>
+          <a:bodyPr rtlCol="0" anchor="ctr"/>
+          <a:lstStyle/>
+          <a:p>
+            <a:pPr algn="ctr"/>
             <a:endParaRPr kumimoji="1" lang="zh-CN" altLang="en-US">
               <a:solidFill>
                 <a:srgbClr val="FF0000"/>
@@ -7757,133 +10870,217 @@
           </a:p>
         </p:txBody>
       </p:sp>
-      <p:grpSp>
-        <p:nvGrpSpPr>
-          <p:cNvPr id="6" name="组合 5">
+      <p:sp>
+        <p:nvSpPr>
+          <p:cNvPr id="85" name="文本框 84">
             <a:extLst>
               <a:ext uri="{FF2B5EF4-FFF2-40B4-BE49-F238E27FC236}">
-                <a16:creationId xmlns:a16="http://schemas.microsoft.com/office/drawing/2014/main" id="{3C4E626E-4720-C248-9EB5-8A4D80C7F576}"/>
+                <a16:creationId xmlns:a16="http://schemas.microsoft.com/office/drawing/2014/main" id="{50251605-18A0-5248-8A89-D59A7A176878}"/>
               </a:ext>
             </a:extLst>
           </p:cNvPr>
-          <p:cNvGrpSpPr/>
+          <p:cNvSpPr txBox="1"/>
           <p:nvPr/>
-        </p:nvGrpSpPr>
-        <p:grpSpPr>
+        </p:nvSpPr>
+        <p:spPr>
           <a:xfrm>
-            <a:off x="431768" y="295294"/>
-            <a:ext cx="1315440" cy="1124640"/>
-            <a:chOff x="431768" y="295294"/>
-            <a:chExt cx="1315440" cy="1124640"/>
-          </a:xfrm>
-        </p:grpSpPr>
-        <mc:AlternateContent xmlns:mc="http://schemas.openxmlformats.org/markup-compatibility/2006">
-          <mc:Choice xmlns:p14="http://schemas.microsoft.com/office/powerpoint/2010/main" Requires="p14">
-            <p:contentPart p14:bwMode="auto" r:id="rId2">
-              <p14:nvContentPartPr>
-                <p14:cNvPr id="4" name="墨迹 3">
-                  <a:extLst>
-                    <a:ext uri="{FF2B5EF4-FFF2-40B4-BE49-F238E27FC236}">
-                      <a16:creationId xmlns:a16="http://schemas.microsoft.com/office/drawing/2014/main" id="{A71BC027-FC6D-5947-9A8D-F23F7A56AC23}"/>
-                    </a:ext>
-                  </a:extLst>
-                </p14:cNvPr>
-                <p14:cNvContentPartPr/>
-                <p14:nvPr/>
-              </p14:nvContentPartPr>
-              <p14:xfrm>
-                <a:off x="431768" y="724774"/>
-                <a:ext cx="620280" cy="448200"/>
-              </p14:xfrm>
-            </p:contentPart>
-          </mc:Choice>
-          <mc:Fallback>
-            <p:pic>
-              <p:nvPicPr>
-                <p:cNvPr id="4" name="墨迹 3">
-                  <a:extLst>
-                    <a:ext uri="{FF2B5EF4-FFF2-40B4-BE49-F238E27FC236}">
-                      <a16:creationId xmlns:a16="http://schemas.microsoft.com/office/drawing/2014/main" id="{A71BC027-FC6D-5947-9A8D-F23F7A56AC23}"/>
-                    </a:ext>
-                  </a:extLst>
-                </p:cNvPr>
-                <p:cNvPicPr/>
-                <p:nvPr/>
-              </p:nvPicPr>
-              <p:blipFill>
-                <a:blip r:embed="rId3"/>
-                <a:stretch>
-                  <a:fillRect/>
-                </a:stretch>
-              </p:blipFill>
-              <p:spPr>
-                <a:xfrm>
-                  <a:off x="422768" y="716134"/>
-                  <a:ext cx="637920" cy="465840"/>
-                </a:xfrm>
-                <a:prstGeom prst="rect">
-                  <a:avLst/>
-                </a:prstGeom>
-              </p:spPr>
-            </p:pic>
-          </mc:Fallback>
-        </mc:AlternateContent>
-        <mc:AlternateContent xmlns:mc="http://schemas.openxmlformats.org/markup-compatibility/2006">
-          <mc:Choice xmlns:p14="http://schemas.microsoft.com/office/powerpoint/2010/main" Requires="p14">
-            <p:contentPart p14:bwMode="auto" r:id="rId4">
-              <p14:nvContentPartPr>
-                <p14:cNvPr id="5" name="墨迹 4">
-                  <a:extLst>
-                    <a:ext uri="{FF2B5EF4-FFF2-40B4-BE49-F238E27FC236}">
-                      <a16:creationId xmlns:a16="http://schemas.microsoft.com/office/drawing/2014/main" id="{7D5C07FE-257A-1B42-A231-23B62A071A45}"/>
-                    </a:ext>
-                  </a:extLst>
-                </p14:cNvPr>
-                <p14:cNvContentPartPr/>
-                <p14:nvPr/>
-              </p14:nvContentPartPr>
-              <p14:xfrm>
-                <a:off x="438968" y="295294"/>
-                <a:ext cx="1308240" cy="1124640"/>
-              </p14:xfrm>
-            </p:contentPart>
-          </mc:Choice>
-          <mc:Fallback>
-            <p:pic>
-              <p:nvPicPr>
-                <p:cNvPr id="5" name="墨迹 4">
-                  <a:extLst>
-                    <a:ext uri="{FF2B5EF4-FFF2-40B4-BE49-F238E27FC236}">
-                      <a16:creationId xmlns:a16="http://schemas.microsoft.com/office/drawing/2014/main" id="{7D5C07FE-257A-1B42-A231-23B62A071A45}"/>
-                    </a:ext>
-                  </a:extLst>
-                </p:cNvPr>
-                <p:cNvPicPr/>
-                <p:nvPr/>
-              </p:nvPicPr>
-              <p:blipFill>
-                <a:blip r:embed="rId5"/>
-                <a:stretch>
-                  <a:fillRect/>
-                </a:stretch>
-              </p:blipFill>
-              <p:spPr>
-                <a:xfrm>
-                  <a:off x="429968" y="286294"/>
-                  <a:ext cx="1325880" cy="1142280"/>
-                </a:xfrm>
-                <a:prstGeom prst="rect">
-                  <a:avLst/>
-                </a:prstGeom>
-              </p:spPr>
-            </p:pic>
-          </mc:Fallback>
-        </mc:AlternateContent>
-      </p:grpSp>
+            <a:off x="2581572" y="2350054"/>
+            <a:ext cx="914400" cy="238848"/>
+          </a:xfrm>
+          <a:prstGeom prst="rect">
+            <a:avLst/>
+          </a:prstGeom>
+          <a:noFill/>
+        </p:spPr>
+        <p:txBody>
+          <a:bodyPr wrap="square" rtlCol="0">
+            <a:spAutoFit/>
+          </a:bodyPr>
+          <a:lstStyle/>
+          <a:p>
+            <a:r>
+              <a:rPr kumimoji="1" lang="zh-CN" altLang="en-US">
+                <a:solidFill>
+                  <a:srgbClr val="C00000"/>
+                </a:solidFill>
+              </a:rPr>
+              <a:t>中奖</a:t>
+            </a:r>
+          </a:p>
+        </p:txBody>
+      </p:sp>
+      <p:cxnSp>
+        <p:nvCxnSpPr>
+          <p:cNvPr id="86" name="曲线连接符 85">
+            <a:extLst>
+              <a:ext uri="{FF2B5EF4-FFF2-40B4-BE49-F238E27FC236}">
+                <a16:creationId xmlns:a16="http://schemas.microsoft.com/office/drawing/2014/main" id="{9C3E285C-0447-7340-9794-0364876A54E8}"/>
+              </a:ext>
+            </a:extLst>
+          </p:cNvPr>
+          <p:cNvCxnSpPr>
+            <a:cxnSpLocks/>
+            <a:stCxn id="71" idx="2"/>
+            <a:endCxn id="33" idx="3"/>
+          </p:cNvCxnSpPr>
+          <p:nvPr/>
+        </p:nvCxnSpPr>
+        <p:spPr>
+          <a:xfrm rot="5400000">
+            <a:off x="2779121" y="647397"/>
+            <a:ext cx="275580" cy="580381"/>
+          </a:xfrm>
+          <a:prstGeom prst="curvedConnector2">
+            <a:avLst/>
+          </a:prstGeom>
+          <a:ln>
+            <a:solidFill>
+              <a:srgbClr val="C00000"/>
+            </a:solidFill>
+            <a:prstDash val="dash"/>
+            <a:tailEnd type="triangle"/>
+          </a:ln>
+        </p:spPr>
+        <p:style>
+          <a:lnRef idx="1">
+            <a:schemeClr val="accent1"/>
+          </a:lnRef>
+          <a:fillRef idx="0">
+            <a:schemeClr val="accent1"/>
+          </a:fillRef>
+          <a:effectRef idx="0">
+            <a:schemeClr val="accent1"/>
+          </a:effectRef>
+          <a:fontRef idx="minor">
+            <a:schemeClr val="tx1"/>
+          </a:fontRef>
+        </p:style>
+      </p:cxnSp>
+      <p:cxnSp>
+        <p:nvCxnSpPr>
+          <p:cNvPr id="91" name="曲线连接符 90">
+            <a:extLst>
+              <a:ext uri="{FF2B5EF4-FFF2-40B4-BE49-F238E27FC236}">
+                <a16:creationId xmlns:a16="http://schemas.microsoft.com/office/drawing/2014/main" id="{08AE9FA6-E0A1-2C49-93A1-209ACB69B9DA}"/>
+              </a:ext>
+            </a:extLst>
+          </p:cNvPr>
+          <p:cNvCxnSpPr>
+            <a:cxnSpLocks/>
+            <a:stCxn id="71" idx="2"/>
+            <a:endCxn id="28" idx="3"/>
+          </p:cNvCxnSpPr>
+          <p:nvPr/>
+        </p:nvCxnSpPr>
+        <p:spPr>
+          <a:xfrm rot="5400000">
+            <a:off x="2535616" y="890902"/>
+            <a:ext cx="762590" cy="580381"/>
+          </a:xfrm>
+          <a:prstGeom prst="curvedConnector2">
+            <a:avLst/>
+          </a:prstGeom>
+          <a:ln>
+            <a:solidFill>
+              <a:srgbClr val="C00000"/>
+            </a:solidFill>
+            <a:prstDash val="dash"/>
+            <a:tailEnd type="triangle"/>
+          </a:ln>
+        </p:spPr>
+        <p:style>
+          <a:lnRef idx="1">
+            <a:schemeClr val="accent1"/>
+          </a:lnRef>
+          <a:fillRef idx="0">
+            <a:schemeClr val="accent1"/>
+          </a:fillRef>
+          <a:effectRef idx="0">
+            <a:schemeClr val="accent1"/>
+          </a:effectRef>
+          <a:fontRef idx="minor">
+            <a:schemeClr val="tx1"/>
+          </a:fontRef>
+        </p:style>
+      </p:cxnSp>
+      <p:sp>
+        <p:nvSpPr>
+          <p:cNvPr id="95" name="文本框 94">
+            <a:extLst>
+              <a:ext uri="{FF2B5EF4-FFF2-40B4-BE49-F238E27FC236}">
+                <a16:creationId xmlns:a16="http://schemas.microsoft.com/office/drawing/2014/main" id="{32BBD91E-0EA4-5342-A662-0521A04117BC}"/>
+              </a:ext>
+            </a:extLst>
+          </p:cNvPr>
+          <p:cNvSpPr txBox="1"/>
+          <p:nvPr/>
+        </p:nvSpPr>
+        <p:spPr>
+          <a:xfrm>
+            <a:off x="3018277" y="834535"/>
+            <a:ext cx="477695" cy="1378209"/>
+          </a:xfrm>
+          <a:prstGeom prst="rect">
+            <a:avLst/>
+          </a:prstGeom>
+          <a:noFill/>
+        </p:spPr>
+        <p:txBody>
+          <a:bodyPr vert="eaVert" wrap="square" rtlCol="0">
+            <a:spAutoFit/>
+          </a:bodyPr>
+          <a:lstStyle/>
+          <a:p>
+            <a:r>
+              <a:rPr kumimoji="1" lang="zh-CN" altLang="en-US"/>
+              <a:t>循环匹配范围值</a:t>
+            </a:r>
+          </a:p>
+          <a:p>
+            <a:endParaRPr kumimoji="1" lang="zh-CN" altLang="en-US"/>
+          </a:p>
+        </p:txBody>
+      </p:sp>
+      <p:sp>
+        <p:nvSpPr>
+          <p:cNvPr id="96" name="文本框 95">
+            <a:extLst>
+              <a:ext uri="{FF2B5EF4-FFF2-40B4-BE49-F238E27FC236}">
+                <a16:creationId xmlns:a16="http://schemas.microsoft.com/office/drawing/2014/main" id="{46C2BCA3-5CC9-924F-8F57-C965D554C046}"/>
+              </a:ext>
+            </a:extLst>
+          </p:cNvPr>
+          <p:cNvSpPr txBox="1"/>
+          <p:nvPr/>
+        </p:nvSpPr>
+        <p:spPr>
+          <a:xfrm>
+            <a:off x="2865833" y="214372"/>
+            <a:ext cx="682536" cy="238848"/>
+          </a:xfrm>
+          <a:prstGeom prst="rect">
+            <a:avLst/>
+          </a:prstGeom>
+          <a:noFill/>
+        </p:spPr>
+        <p:txBody>
+          <a:bodyPr wrap="square" rtlCol="0">
+            <a:spAutoFit/>
+          </a:bodyPr>
+          <a:lstStyle/>
+          <a:p>
+            <a:pPr algn="ctr"/>
+            <a:r>
+              <a:rPr kumimoji="1" lang="zh-CN" altLang="en-US"/>
+              <a:t>概率值</a:t>
+            </a:r>
+          </a:p>
+        </p:txBody>
+      </p:sp>
     </p:spTree>
     <p:extLst>
       <p:ext uri="{BB962C8B-B14F-4D97-AF65-F5344CB8AC3E}">
-        <p14:creationId xmlns:p14="http://schemas.microsoft.com/office/powerpoint/2010/main" val="3514599753"/>
+        <p14:creationId xmlns:p14="http://schemas.microsoft.com/office/powerpoint/2010/main" val="3234446889"/>
       </p:ext>
     </p:extLst>
   </p:cSld>
